--- a/assets/graphics.pptx
+++ b/assets/graphics.pptx
@@ -5,10 +5,13 @@
     <p:sldMasterId id="2147483648" r:id="rId1"/>
   </p:sldMasterIdLst>
   <p:notesMasterIdLst>
-    <p:notesMasterId r:id="rId3"/>
+    <p:notesMasterId r:id="rId6"/>
   </p:notesMasterIdLst>
   <p:sldIdLst>
     <p:sldId id="256" r:id="rId2"/>
+    <p:sldId id="259" r:id="rId3"/>
+    <p:sldId id="258" r:id="rId4"/>
+    <p:sldId id="257" r:id="rId5"/>
   </p:sldIdLst>
   <p:sldSz cx="12192000" cy="6858000"/>
   <p:notesSz cx="6858000" cy="9144000"/>
@@ -107,6 +110,11 @@
       </a:defRPr>
     </a:lvl9pPr>
   </p:defaultTextStyle>
+  <p:extLst>
+    <p:ext uri="{EFAFB233-063F-42B5-8137-9DF3F51BA10A}">
+      <p15:sldGuideLst xmlns:p15="http://schemas.microsoft.com/office/powerpoint/2012/main"/>
+    </p:ext>
+  </p:extLst>
 </p:presentation>
 </file>
 
@@ -192,7 +200,7 @@
           <a:p>
             <a:fld id="{56BDC73C-29DE-468D-AE90-60B40BF0DB2A}" type="datetimeFigureOut">
               <a:rPr lang="en-SG" smtClean="0"/>
-              <a:t>13/6/2020</a:t>
+              <a:t>14/6/2020</a:t>
             </a:fld>
             <a:endParaRPr lang="en-SG"/>
           </a:p>
@@ -525,7 +533,7 @@
             </a:r>
             <a:r>
               <a:rPr lang="en-SG" dirty="0"/>
-              <a:t> sourced from https://upload.wikimedia.org/wikipedia/commons/thumb/a/aa/Camera-icon.svg/1087px-Camera-icon.svg.png</a:t>
+              <a:t> sourced from Wikimedia commons</a:t>
             </a:r>
           </a:p>
         </p:txBody>
@@ -557,6 +565,93 @@
     <p:extLst>
       <p:ext uri="{BB962C8B-B14F-4D97-AF65-F5344CB8AC3E}">
         <p14:creationId xmlns:p14="http://schemas.microsoft.com/office/powerpoint/2010/main" val="3360000175"/>
+      </p:ext>
+    </p:extLst>
+  </p:cSld>
+  <p:clrMapOvr>
+    <a:masterClrMapping/>
+  </p:clrMapOvr>
+</p:notes>
+</file>
+
+<file path=ppt/notesSlides/notesSlide2.xml><?xml version="1.0" encoding="utf-8"?>
+<p:notes xmlns:a="http://schemas.openxmlformats.org/drawingml/2006/main" xmlns:r="http://schemas.openxmlformats.org/officeDocument/2006/relationships" xmlns:p="http://schemas.openxmlformats.org/presentationml/2006/main">
+  <p:cSld>
+    <p:spTree>
+      <p:nvGrpSpPr>
+        <p:cNvPr id="1" name=""/>
+        <p:cNvGrpSpPr/>
+        <p:nvPr/>
+      </p:nvGrpSpPr>
+      <p:grpSpPr>
+        <a:xfrm>
+          <a:off x="0" y="0"/>
+          <a:ext cx="0" cy="0"/>
+          <a:chOff x="0" y="0"/>
+          <a:chExt cx="0" cy="0"/>
+        </a:xfrm>
+      </p:grpSpPr>
+      <p:sp>
+        <p:nvSpPr>
+          <p:cNvPr id="2" name="Slide Image Placeholder 1"/>
+          <p:cNvSpPr>
+            <a:spLocks noGrp="1" noRot="1" noChangeAspect="1"/>
+          </p:cNvSpPr>
+          <p:nvPr>
+            <p:ph type="sldImg"/>
+          </p:nvPr>
+        </p:nvSpPr>
+        <p:spPr/>
+      </p:sp>
+      <p:sp>
+        <p:nvSpPr>
+          <p:cNvPr id="3" name="Notes Placeholder 2"/>
+          <p:cNvSpPr>
+            <a:spLocks noGrp="1"/>
+          </p:cNvSpPr>
+          <p:nvPr>
+            <p:ph type="body" idx="1"/>
+          </p:nvPr>
+        </p:nvSpPr>
+        <p:spPr/>
+        <p:txBody>
+          <a:bodyPr/>
+          <a:lstStyle/>
+          <a:p>
+            <a:r>
+              <a:rPr lang="en-SG" dirty="0"/>
+              <a:t>Images sourced from Wikimedia commons and IBM website</a:t>
+            </a:r>
+          </a:p>
+        </p:txBody>
+      </p:sp>
+      <p:sp>
+        <p:nvSpPr>
+          <p:cNvPr id="4" name="Slide Number Placeholder 3"/>
+          <p:cNvSpPr>
+            <a:spLocks noGrp="1"/>
+          </p:cNvSpPr>
+          <p:nvPr>
+            <p:ph type="sldNum" sz="quarter" idx="5"/>
+          </p:nvPr>
+        </p:nvSpPr>
+        <p:spPr/>
+        <p:txBody>
+          <a:bodyPr/>
+          <a:lstStyle/>
+          <a:p>
+            <a:fld id="{FB5B1B6E-BE2D-467B-B935-88AF149C546F}" type="slidenum">
+              <a:rPr lang="en-SG" smtClean="0"/>
+              <a:t>3</a:t>
+            </a:fld>
+            <a:endParaRPr lang="en-SG"/>
+          </a:p>
+        </p:txBody>
+      </p:sp>
+    </p:spTree>
+    <p:extLst>
+      <p:ext uri="{BB962C8B-B14F-4D97-AF65-F5344CB8AC3E}">
+        <p14:creationId xmlns:p14="http://schemas.microsoft.com/office/powerpoint/2010/main" val="876447068"/>
       </p:ext>
     </p:extLst>
   </p:cSld>
@@ -715,7 +810,7 @@
           <a:p>
             <a:fld id="{B79687CE-008D-437E-9B96-098F56F06CD5}" type="datetimeFigureOut">
               <a:rPr lang="en-SG" smtClean="0"/>
-              <a:t>13/6/2020</a:t>
+              <a:t>14/6/2020</a:t>
             </a:fld>
             <a:endParaRPr lang="en-SG"/>
           </a:p>
@@ -915,7 +1010,7 @@
           <a:p>
             <a:fld id="{B79687CE-008D-437E-9B96-098F56F06CD5}" type="datetimeFigureOut">
               <a:rPr lang="en-SG" smtClean="0"/>
-              <a:t>13/6/2020</a:t>
+              <a:t>14/6/2020</a:t>
             </a:fld>
             <a:endParaRPr lang="en-SG"/>
           </a:p>
@@ -1125,7 +1220,7 @@
           <a:p>
             <a:fld id="{B79687CE-008D-437E-9B96-098F56F06CD5}" type="datetimeFigureOut">
               <a:rPr lang="en-SG" smtClean="0"/>
-              <a:t>13/6/2020</a:t>
+              <a:t>14/6/2020</a:t>
             </a:fld>
             <a:endParaRPr lang="en-SG"/>
           </a:p>
@@ -1325,7 +1420,7 @@
           <a:p>
             <a:fld id="{B79687CE-008D-437E-9B96-098F56F06CD5}" type="datetimeFigureOut">
               <a:rPr lang="en-SG" smtClean="0"/>
-              <a:t>13/6/2020</a:t>
+              <a:t>14/6/2020</a:t>
             </a:fld>
             <a:endParaRPr lang="en-SG"/>
           </a:p>
@@ -1601,7 +1696,7 @@
           <a:p>
             <a:fld id="{B79687CE-008D-437E-9B96-098F56F06CD5}" type="datetimeFigureOut">
               <a:rPr lang="en-SG" smtClean="0"/>
-              <a:t>13/6/2020</a:t>
+              <a:t>14/6/2020</a:t>
             </a:fld>
             <a:endParaRPr lang="en-SG"/>
           </a:p>
@@ -1869,7 +1964,7 @@
           <a:p>
             <a:fld id="{B79687CE-008D-437E-9B96-098F56F06CD5}" type="datetimeFigureOut">
               <a:rPr lang="en-SG" smtClean="0"/>
-              <a:t>13/6/2020</a:t>
+              <a:t>14/6/2020</a:t>
             </a:fld>
             <a:endParaRPr lang="en-SG"/>
           </a:p>
@@ -2284,7 +2379,7 @@
           <a:p>
             <a:fld id="{B79687CE-008D-437E-9B96-098F56F06CD5}" type="datetimeFigureOut">
               <a:rPr lang="en-SG" smtClean="0"/>
-              <a:t>13/6/2020</a:t>
+              <a:t>14/6/2020</a:t>
             </a:fld>
             <a:endParaRPr lang="en-SG"/>
           </a:p>
@@ -2426,7 +2521,7 @@
           <a:p>
             <a:fld id="{B79687CE-008D-437E-9B96-098F56F06CD5}" type="datetimeFigureOut">
               <a:rPr lang="en-SG" smtClean="0"/>
-              <a:t>13/6/2020</a:t>
+              <a:t>14/6/2020</a:t>
             </a:fld>
             <a:endParaRPr lang="en-SG"/>
           </a:p>
@@ -2539,7 +2634,7 @@
           <a:p>
             <a:fld id="{B79687CE-008D-437E-9B96-098F56F06CD5}" type="datetimeFigureOut">
               <a:rPr lang="en-SG" smtClean="0"/>
-              <a:t>13/6/2020</a:t>
+              <a:t>14/6/2020</a:t>
             </a:fld>
             <a:endParaRPr lang="en-SG"/>
           </a:p>
@@ -2852,7 +2947,7 @@
           <a:p>
             <a:fld id="{B79687CE-008D-437E-9B96-098F56F06CD5}" type="datetimeFigureOut">
               <a:rPr lang="en-SG" smtClean="0"/>
-              <a:t>13/6/2020</a:t>
+              <a:t>14/6/2020</a:t>
             </a:fld>
             <a:endParaRPr lang="en-SG"/>
           </a:p>
@@ -3141,7 +3236,7 @@
           <a:p>
             <a:fld id="{B79687CE-008D-437E-9B96-098F56F06CD5}" type="datetimeFigureOut">
               <a:rPr lang="en-SG" smtClean="0"/>
-              <a:t>13/6/2020</a:t>
+              <a:t>14/6/2020</a:t>
             </a:fld>
             <a:endParaRPr lang="en-SG"/>
           </a:p>
@@ -3384,7 +3479,7 @@
           <a:p>
             <a:fld id="{B79687CE-008D-437E-9B96-098F56F06CD5}" type="datetimeFigureOut">
               <a:rPr lang="en-SG" smtClean="0"/>
-              <a:t>13/6/2020</a:t>
+              <a:t>14/6/2020</a:t>
             </a:fld>
             <a:endParaRPr lang="en-SG"/>
           </a:p>
@@ -4458,7 +4553,7 @@
         </p:nvGrpSpPr>
         <p:grpSpPr>
           <a:xfrm>
-            <a:off x="-2838604" y="1205540"/>
+            <a:off x="-3015260" y="1225690"/>
             <a:ext cx="1141659" cy="1027777"/>
             <a:chOff x="1565535" y="92050"/>
             <a:chExt cx="1141659" cy="1027777"/>
@@ -4551,7 +4646,7 @@
         </p:nvGrpSpPr>
         <p:grpSpPr>
           <a:xfrm>
-            <a:off x="-2718006" y="69290"/>
+            <a:off x="-2894662" y="89440"/>
             <a:ext cx="902811" cy="1011253"/>
             <a:chOff x="1671017" y="1289147"/>
             <a:chExt cx="902811" cy="1011253"/>
@@ -4663,10 +4758,10 @@
       </p:grpSp>
       <p:grpSp>
         <p:nvGrpSpPr>
-          <p:cNvPr id="125" name="Group 124">
+          <p:cNvPr id="2" name="Group 1">
             <a:extLst>
               <a:ext uri="{FF2B5EF4-FFF2-40B4-BE49-F238E27FC236}">
-                <a16:creationId xmlns:a16="http://schemas.microsoft.com/office/drawing/2014/main" id="{8E3B8E83-608C-4A9D-ADDE-B2293CFD8E35}"/>
+                <a16:creationId xmlns:a16="http://schemas.microsoft.com/office/drawing/2014/main" id="{56A12F30-8A6F-4AB5-9D5F-7DA55D85981F}"/>
               </a:ext>
             </a:extLst>
           </p:cNvPr>
@@ -4677,7 +4772,7 @@
           <a:xfrm>
             <a:off x="1730193" y="851925"/>
             <a:ext cx="8731614" cy="4985515"/>
-            <a:chOff x="1195794" y="933627"/>
+            <a:chOff x="1730193" y="851925"/>
             <a:chExt cx="8731614" cy="4985515"/>
           </a:xfrm>
         </p:grpSpPr>
@@ -4695,7 +4790,7 @@
           </p:nvSpPr>
           <p:spPr>
             <a:xfrm>
-              <a:off x="6265061" y="1925540"/>
+              <a:off x="6799460" y="1843838"/>
               <a:ext cx="1556837" cy="1339699"/>
             </a:xfrm>
             <a:prstGeom prst="rect">
@@ -4756,7 +4851,7 @@
           </p:nvGrpSpPr>
           <p:grpSpPr>
             <a:xfrm>
-              <a:off x="3877914" y="3663536"/>
+              <a:off x="4412313" y="3581834"/>
               <a:ext cx="1649811" cy="1027777"/>
               <a:chOff x="1095938" y="2093401"/>
               <a:chExt cx="1649811" cy="1027777"/>
@@ -4861,7 +4956,7 @@
           </p:nvGrpSpPr>
           <p:grpSpPr>
             <a:xfrm>
-              <a:off x="9102104" y="2164969"/>
+              <a:off x="9636503" y="2083267"/>
               <a:ext cx="720153" cy="1023759"/>
               <a:chOff x="3619500" y="653401"/>
               <a:chExt cx="720153" cy="1023759"/>
@@ -4978,7 +5073,7 @@
           </p:nvGrpSpPr>
           <p:grpSpPr>
             <a:xfrm>
-              <a:off x="1195794" y="2154356"/>
+              <a:off x="1730193" y="2072654"/>
               <a:ext cx="1556836" cy="1019195"/>
               <a:chOff x="1064459" y="3533401"/>
               <a:chExt cx="1556836" cy="1019195"/>
@@ -5080,7 +5175,7 @@
           </p:nvGrpSpPr>
           <p:grpSpPr>
             <a:xfrm>
-              <a:off x="3957044" y="4891365"/>
+              <a:off x="4491443" y="4809663"/>
               <a:ext cx="1335622" cy="1027777"/>
               <a:chOff x="1175068" y="653401"/>
               <a:chExt cx="1335622" cy="1027777"/>
@@ -5185,7 +5280,7 @@
           </p:nvGrpSpPr>
           <p:grpSpPr>
             <a:xfrm>
-              <a:off x="6550107" y="2166656"/>
+              <a:off x="7084506" y="2084954"/>
               <a:ext cx="1018227" cy="1011253"/>
               <a:chOff x="8745028" y="4776128"/>
               <a:chExt cx="1018227" cy="1011253"/>
@@ -5290,7 +5385,7 @@
           </p:nvGrpSpPr>
           <p:grpSpPr>
             <a:xfrm>
-              <a:off x="1403382" y="3652923"/>
+              <a:off x="1937781" y="3571221"/>
               <a:ext cx="1141659" cy="1028170"/>
               <a:chOff x="1565534" y="92050"/>
               <a:chExt cx="1141659" cy="1028170"/>
@@ -5398,7 +5493,7 @@
           </p:nvGrpSpPr>
           <p:grpSpPr>
             <a:xfrm>
-              <a:off x="6388204" y="933627"/>
+              <a:off x="6922603" y="851925"/>
               <a:ext cx="1342034" cy="1019999"/>
               <a:chOff x="1467147" y="1289147"/>
               <a:chExt cx="1342034" cy="1019999"/>
@@ -5505,7 +5600,7 @@
           </p:nvCxnSpPr>
           <p:spPr>
             <a:xfrm>
-              <a:off x="2333738" y="4012923"/>
+              <a:off x="2868137" y="3931221"/>
               <a:ext cx="1931117" cy="10613"/>
             </a:xfrm>
             <a:prstGeom prst="line">
@@ -5548,7 +5643,7 @@
           </p:nvSpPr>
           <p:spPr>
             <a:xfrm>
-              <a:off x="3797926" y="3433826"/>
+              <a:off x="4332325" y="3352124"/>
               <a:ext cx="1800200" cy="1383989"/>
             </a:xfrm>
             <a:prstGeom prst="rect">
@@ -5612,7 +5707,7 @@
           </p:nvCxnSpPr>
           <p:spPr>
             <a:xfrm>
-              <a:off x="2334214" y="2514356"/>
+              <a:off x="2868613" y="2432654"/>
               <a:ext cx="4349266" cy="12300"/>
             </a:xfrm>
             <a:prstGeom prst="line">
@@ -5658,7 +5753,7 @@
           </p:nvCxnSpPr>
           <p:spPr>
             <a:xfrm flipV="1">
-              <a:off x="4984855" y="3177909"/>
+              <a:off x="5519254" y="3096207"/>
               <a:ext cx="2074366" cy="845627"/>
             </a:xfrm>
             <a:prstGeom prst="curvedConnector2">
@@ -5705,7 +5800,7 @@
           </p:nvCxnSpPr>
           <p:spPr>
             <a:xfrm flipV="1">
-              <a:off x="7403480" y="2524969"/>
+              <a:off x="7937879" y="2443267"/>
               <a:ext cx="1698624" cy="1687"/>
             </a:xfrm>
             <a:prstGeom prst="line">
@@ -5748,7 +5843,7 @@
           </p:nvSpPr>
           <p:spPr>
             <a:xfrm>
-              <a:off x="2333739" y="3464066"/>
+              <a:off x="2868138" y="3382364"/>
               <a:ext cx="189351" cy="219414"/>
             </a:xfrm>
             <a:prstGeom prst="ellipse">
@@ -5799,7 +5894,7 @@
           </p:nvSpPr>
           <p:spPr>
             <a:xfrm>
-              <a:off x="4972263" y="3498434"/>
+              <a:off x="5506662" y="3416732"/>
               <a:ext cx="189351" cy="219414"/>
             </a:xfrm>
             <a:prstGeom prst="ellipse">
@@ -5850,7 +5945,7 @@
           </p:nvSpPr>
           <p:spPr>
             <a:xfrm>
-              <a:off x="2314095" y="2039978"/>
+              <a:off x="2848494" y="1958276"/>
               <a:ext cx="189351" cy="219414"/>
             </a:xfrm>
             <a:prstGeom prst="ellipse">
@@ -5901,7 +5996,7 @@
           </p:nvSpPr>
           <p:spPr>
             <a:xfrm>
-              <a:off x="7394258" y="2041072"/>
+              <a:off x="7928657" y="1959370"/>
               <a:ext cx="189351" cy="219414"/>
             </a:xfrm>
             <a:prstGeom prst="ellipse">
@@ -5952,7 +6047,7 @@
           </p:nvSpPr>
           <p:spPr>
             <a:xfrm>
-              <a:off x="9738057" y="2055262"/>
+              <a:off x="10272456" y="1973560"/>
               <a:ext cx="189351" cy="219414"/>
             </a:xfrm>
             <a:prstGeom prst="ellipse">
@@ -5990,10 +6085,3336 @@
           </p:txBody>
         </p:sp>
       </p:grpSp>
+      <p:grpSp>
+        <p:nvGrpSpPr>
+          <p:cNvPr id="60" name="Group 59">
+            <a:extLst>
+              <a:ext uri="{FF2B5EF4-FFF2-40B4-BE49-F238E27FC236}">
+                <a16:creationId xmlns:a16="http://schemas.microsoft.com/office/drawing/2014/main" id="{B4ACD86B-8E17-4432-87B4-04C5BFF7D4A8}"/>
+              </a:ext>
+            </a:extLst>
+          </p:cNvPr>
+          <p:cNvGrpSpPr/>
+          <p:nvPr/>
+        </p:nvGrpSpPr>
+        <p:grpSpPr>
+          <a:xfrm>
+            <a:off x="-3115448" y="2337056"/>
+            <a:ext cx="1342034" cy="1019999"/>
+            <a:chOff x="1467147" y="1289147"/>
+            <a:chExt cx="1342034" cy="1019999"/>
+          </a:xfrm>
+        </p:grpSpPr>
+        <p:pic>
+          <p:nvPicPr>
+            <p:cNvPr id="61" name="Picture 65">
+              <a:extLst>
+                <a:ext uri="{FF2B5EF4-FFF2-40B4-BE49-F238E27FC236}">
+                  <a16:creationId xmlns:a16="http://schemas.microsoft.com/office/drawing/2014/main" id="{F31B8126-7B13-4E8E-B7FD-4F75025B49D8}"/>
+                </a:ext>
+              </a:extLst>
+            </p:cNvPr>
+            <p:cNvPicPr>
+              <a:picLocks noChangeAspect="1"/>
+            </p:cNvPicPr>
+            <p:nvPr/>
+          </p:nvPicPr>
+          <p:blipFill>
+            <a:blip r:embed="rId17">
+              <a:extLst>
+                <a:ext uri="{28A0092B-C50C-407E-A947-70E740481C1C}">
+                  <a14:useLocalDpi xmlns:a14="http://schemas.microsoft.com/office/drawing/2010/main" val="0"/>
+                </a:ext>
+                <a:ext uri="{96DAC541-7B7A-43D3-8B79-37D633B846F1}">
+                  <asvg:svgBlip xmlns:asvg="http://schemas.microsoft.com/office/drawing/2016/SVG/main" r:embed="rId18"/>
+                </a:ext>
+              </a:extLst>
+            </a:blip>
+            <a:srcRect/>
+            <a:stretch/>
+          </p:blipFill>
+          <p:spPr>
+            <a:xfrm>
+              <a:off x="1865716" y="1289147"/>
+              <a:ext cx="529411" cy="720000"/>
+            </a:xfrm>
+            <a:prstGeom prst="rect">
+              <a:avLst/>
+            </a:prstGeom>
+          </p:spPr>
+        </p:pic>
+        <p:sp>
+          <p:nvSpPr>
+            <p:cNvPr id="62" name="TextBox 61">
+              <a:extLst>
+                <a:ext uri="{FF2B5EF4-FFF2-40B4-BE49-F238E27FC236}">
+                  <a16:creationId xmlns:a16="http://schemas.microsoft.com/office/drawing/2014/main" id="{2D9EDE8D-470C-4EE6-A3EB-7BC5A9C05F8F}"/>
+                </a:ext>
+              </a:extLst>
+            </p:cNvPr>
+            <p:cNvSpPr txBox="1"/>
+            <p:nvPr/>
+          </p:nvSpPr>
+          <p:spPr>
+            <a:xfrm>
+              <a:off x="1467147" y="2001369"/>
+              <a:ext cx="1342034" cy="307777"/>
+            </a:xfrm>
+            <a:prstGeom prst="rect">
+              <a:avLst/>
+            </a:prstGeom>
+            <a:noFill/>
+            <a:ln>
+              <a:noFill/>
+            </a:ln>
+          </p:spPr>
+          <p:txBody>
+            <a:bodyPr wrap="none" rtlCol="0">
+              <a:spAutoFit/>
+            </a:bodyPr>
+            <a:lstStyle/>
+            <a:p>
+              <a:r>
+                <a:rPr lang="en-SG" sz="1400" dirty="0">
+                  <a:latin typeface="IBM Plex Sans Light" panose="020B0403050203000203" pitchFamily="34" charset="0"/>
+                </a:rPr>
+                <a:t>Cloud Foundry</a:t>
+              </a:r>
+            </a:p>
+          </p:txBody>
+        </p:sp>
+      </p:grpSp>
     </p:spTree>
     <p:extLst>
       <p:ext uri="{BB962C8B-B14F-4D97-AF65-F5344CB8AC3E}">
         <p14:creationId xmlns:p14="http://schemas.microsoft.com/office/powerpoint/2010/main" val="1104339552"/>
+      </p:ext>
+    </p:extLst>
+  </p:cSld>
+  <p:clrMapOvr>
+    <a:masterClrMapping/>
+  </p:clrMapOvr>
+</p:sld>
+</file>
+
+<file path=ppt/slides/slide2.xml><?xml version="1.0" encoding="utf-8"?>
+<p:sld xmlns:a="http://schemas.openxmlformats.org/drawingml/2006/main" xmlns:r="http://schemas.openxmlformats.org/officeDocument/2006/relationships" xmlns:p="http://schemas.openxmlformats.org/presentationml/2006/main">
+  <p:cSld>
+    <p:spTree>
+      <p:nvGrpSpPr>
+        <p:cNvPr id="1" name=""/>
+        <p:cNvGrpSpPr/>
+        <p:nvPr/>
+      </p:nvGrpSpPr>
+      <p:grpSpPr>
+        <a:xfrm>
+          <a:off x="0" y="0"/>
+          <a:ext cx="0" cy="0"/>
+          <a:chOff x="0" y="0"/>
+          <a:chExt cx="0" cy="0"/>
+        </a:xfrm>
+      </p:grpSpPr>
+      <p:grpSp>
+        <p:nvGrpSpPr>
+          <p:cNvPr id="37" name="Group 36">
+            <a:extLst>
+              <a:ext uri="{FF2B5EF4-FFF2-40B4-BE49-F238E27FC236}">
+                <a16:creationId xmlns:a16="http://schemas.microsoft.com/office/drawing/2014/main" id="{9D307AE7-CE91-4143-9E16-B8DA930D7F5F}"/>
+              </a:ext>
+            </a:extLst>
+          </p:cNvPr>
+          <p:cNvGrpSpPr/>
+          <p:nvPr/>
+        </p:nvGrpSpPr>
+        <p:grpSpPr>
+          <a:xfrm>
+            <a:off x="1730193" y="851925"/>
+            <a:ext cx="8626463" cy="4985515"/>
+            <a:chOff x="1730193" y="851925"/>
+            <a:chExt cx="8626463" cy="4985515"/>
+          </a:xfrm>
+        </p:grpSpPr>
+        <p:sp>
+          <p:nvSpPr>
+            <p:cNvPr id="5" name="Rectangle 4">
+              <a:extLst>
+                <a:ext uri="{FF2B5EF4-FFF2-40B4-BE49-F238E27FC236}">
+                  <a16:creationId xmlns:a16="http://schemas.microsoft.com/office/drawing/2014/main" id="{29CF52BB-CA26-4C04-A946-1D1B936E30A5}"/>
+                </a:ext>
+              </a:extLst>
+            </p:cNvPr>
+            <p:cNvSpPr/>
+            <p:nvPr/>
+          </p:nvSpPr>
+          <p:spPr>
+            <a:xfrm>
+              <a:off x="6799460" y="1843838"/>
+              <a:ext cx="1556837" cy="1339699"/>
+            </a:xfrm>
+            <a:prstGeom prst="rect">
+              <a:avLst/>
+            </a:prstGeom>
+            <a:noFill/>
+            <a:ln w="6350">
+              <a:solidFill>
+                <a:schemeClr val="bg1">
+                  <a:lumMod val="65000"/>
+                </a:schemeClr>
+              </a:solidFill>
+              <a:prstDash val="lgDash"/>
+            </a:ln>
+          </p:spPr>
+          <p:style>
+            <a:lnRef idx="2">
+              <a:schemeClr val="accent1">
+                <a:shade val="50000"/>
+              </a:schemeClr>
+            </a:lnRef>
+            <a:fillRef idx="1">
+              <a:schemeClr val="accent1"/>
+            </a:fillRef>
+            <a:effectRef idx="0">
+              <a:schemeClr val="accent1"/>
+            </a:effectRef>
+            <a:fontRef idx="minor">
+              <a:schemeClr val="lt1"/>
+            </a:fontRef>
+          </p:style>
+          <p:txBody>
+            <a:bodyPr rtlCol="0" anchor="ctr"/>
+            <a:lstStyle/>
+            <a:p>
+              <a:pPr algn="ctr"/>
+              <a:endParaRPr lang="en-SG">
+                <a:solidFill>
+                  <a:schemeClr val="bg1">
+                    <a:lumMod val="65000"/>
+                  </a:schemeClr>
+                </a:solidFill>
+              </a:endParaRPr>
+            </a:p>
+          </p:txBody>
+        </p:sp>
+        <p:grpSp>
+          <p:nvGrpSpPr>
+            <p:cNvPr id="6" name="Group 5">
+              <a:extLst>
+                <a:ext uri="{FF2B5EF4-FFF2-40B4-BE49-F238E27FC236}">
+                  <a16:creationId xmlns:a16="http://schemas.microsoft.com/office/drawing/2014/main" id="{FABE57AE-8575-4DA6-A525-46ECA95B56D6}"/>
+                </a:ext>
+              </a:extLst>
+            </p:cNvPr>
+            <p:cNvGrpSpPr/>
+            <p:nvPr/>
+          </p:nvGrpSpPr>
+          <p:grpSpPr>
+            <a:xfrm>
+              <a:off x="4412313" y="3581834"/>
+              <a:ext cx="1649811" cy="1027777"/>
+              <a:chOff x="1095938" y="2093401"/>
+              <a:chExt cx="1649811" cy="1027777"/>
+            </a:xfrm>
+          </p:grpSpPr>
+          <p:pic>
+            <p:nvPicPr>
+              <p:cNvPr id="35" name="Graphic 34">
+                <a:extLst>
+                  <a:ext uri="{FF2B5EF4-FFF2-40B4-BE49-F238E27FC236}">
+                    <a16:creationId xmlns:a16="http://schemas.microsoft.com/office/drawing/2014/main" id="{0A21509D-3163-497D-B543-82A9FA28B00D}"/>
+                  </a:ext>
+                </a:extLst>
+              </p:cNvPr>
+              <p:cNvPicPr>
+                <a:picLocks noChangeAspect="1"/>
+              </p:cNvPicPr>
+              <p:nvPr/>
+            </p:nvPicPr>
+            <p:blipFill>
+              <a:blip r:embed="rId2">
+                <a:extLst>
+                  <a:ext uri="{28A0092B-C50C-407E-A947-70E740481C1C}">
+                    <a14:useLocalDpi xmlns:a14="http://schemas.microsoft.com/office/drawing/2010/main" val="0"/>
+                  </a:ext>
+                  <a:ext uri="{96DAC541-7B7A-43D3-8B79-37D633B846F1}">
+                    <asvg:svgBlip xmlns:asvg="http://schemas.microsoft.com/office/drawing/2016/SVG/main" r:embed="rId3"/>
+                  </a:ext>
+                </a:extLst>
+              </a:blip>
+              <a:stretch>
+                <a:fillRect/>
+              </a:stretch>
+            </p:blipFill>
+            <p:spPr>
+              <a:xfrm>
+                <a:off x="1482879" y="2093401"/>
+                <a:ext cx="720000" cy="720000"/>
+              </a:xfrm>
+              <a:prstGeom prst="rect">
+                <a:avLst/>
+              </a:prstGeom>
+            </p:spPr>
+          </p:pic>
+          <p:sp>
+            <p:nvSpPr>
+              <p:cNvPr id="36" name="TextBox 35">
+                <a:extLst>
+                  <a:ext uri="{FF2B5EF4-FFF2-40B4-BE49-F238E27FC236}">
+                    <a16:creationId xmlns:a16="http://schemas.microsoft.com/office/drawing/2014/main" id="{00ADF7BF-5E6A-4762-BB6B-B8EB08229C1A}"/>
+                  </a:ext>
+                </a:extLst>
+              </p:cNvPr>
+              <p:cNvSpPr txBox="1"/>
+              <p:nvPr/>
+            </p:nvSpPr>
+            <p:spPr>
+              <a:xfrm>
+                <a:off x="1095938" y="2813401"/>
+                <a:ext cx="1649811" cy="307777"/>
+              </a:xfrm>
+              <a:prstGeom prst="rect">
+                <a:avLst/>
+              </a:prstGeom>
+              <a:noFill/>
+              <a:ln>
+                <a:noFill/>
+              </a:ln>
+            </p:spPr>
+            <p:txBody>
+              <a:bodyPr wrap="none" rtlCol="0">
+                <a:spAutoFit/>
+              </a:bodyPr>
+              <a:lstStyle/>
+              <a:p>
+                <a:r>
+                  <a:rPr lang="en-SG" sz="1400" dirty="0">
+                    <a:solidFill>
+                      <a:schemeClr val="bg1">
+                        <a:lumMod val="65000"/>
+                      </a:schemeClr>
+                    </a:solidFill>
+                    <a:latin typeface="IBM Plex Sans Light" panose="020B0403050203000203" pitchFamily="34" charset="0"/>
+                  </a:rPr>
+                  <a:t>Visual Recognition</a:t>
+                </a:r>
+              </a:p>
+            </p:txBody>
+          </p:sp>
+        </p:grpSp>
+        <p:grpSp>
+          <p:nvGrpSpPr>
+            <p:cNvPr id="7" name="Group 6">
+              <a:extLst>
+                <a:ext uri="{FF2B5EF4-FFF2-40B4-BE49-F238E27FC236}">
+                  <a16:creationId xmlns:a16="http://schemas.microsoft.com/office/drawing/2014/main" id="{F7194798-4E4F-4B02-80AE-9CB52CE2E4DE}"/>
+                </a:ext>
+              </a:extLst>
+            </p:cNvPr>
+            <p:cNvGrpSpPr/>
+            <p:nvPr/>
+          </p:nvGrpSpPr>
+          <p:grpSpPr>
+            <a:xfrm>
+              <a:off x="9636503" y="2083267"/>
+              <a:ext cx="720153" cy="1023759"/>
+              <a:chOff x="3619500" y="653401"/>
+              <a:chExt cx="720153" cy="1023759"/>
+            </a:xfrm>
+          </p:grpSpPr>
+          <p:sp>
+            <p:nvSpPr>
+              <p:cNvPr id="33" name="TextBox 32">
+                <a:extLst>
+                  <a:ext uri="{FF2B5EF4-FFF2-40B4-BE49-F238E27FC236}">
+                    <a16:creationId xmlns:a16="http://schemas.microsoft.com/office/drawing/2014/main" id="{07F2BD46-DF6C-4CE4-A4D2-61E9B4A750C2}"/>
+                  </a:ext>
+                </a:extLst>
+              </p:cNvPr>
+              <p:cNvSpPr txBox="1"/>
+              <p:nvPr/>
+            </p:nvSpPr>
+            <p:spPr>
+              <a:xfrm>
+                <a:off x="3703699" y="1369383"/>
+                <a:ext cx="551754" cy="307777"/>
+              </a:xfrm>
+              <a:prstGeom prst="rect">
+                <a:avLst/>
+              </a:prstGeom>
+              <a:noFill/>
+              <a:ln>
+                <a:noFill/>
+              </a:ln>
+            </p:spPr>
+            <p:txBody>
+              <a:bodyPr wrap="none" rtlCol="0">
+                <a:spAutoFit/>
+              </a:bodyPr>
+              <a:lstStyle/>
+              <a:p>
+                <a:r>
+                  <a:rPr lang="en-SG" sz="1400" dirty="0">
+                    <a:solidFill>
+                      <a:schemeClr val="bg1">
+                        <a:lumMod val="65000"/>
+                      </a:schemeClr>
+                    </a:solidFill>
+                    <a:latin typeface="IBM Plex Sans Light" panose="020B0403050203000203" pitchFamily="34" charset="0"/>
+                  </a:rPr>
+                  <a:t>User</a:t>
+                </a:r>
+              </a:p>
+            </p:txBody>
+          </p:sp>
+          <p:pic>
+            <p:nvPicPr>
+              <p:cNvPr id="34" name="Picture 33">
+                <a:extLst>
+                  <a:ext uri="{FF2B5EF4-FFF2-40B4-BE49-F238E27FC236}">
+                    <a16:creationId xmlns:a16="http://schemas.microsoft.com/office/drawing/2014/main" id="{0FBFCD2E-49BE-4026-AAE7-87473E51641E}"/>
+                  </a:ext>
+                </a:extLst>
+              </p:cNvPr>
+              <p:cNvPicPr>
+                <a:picLocks noChangeAspect="1"/>
+              </p:cNvPicPr>
+              <p:nvPr/>
+            </p:nvPicPr>
+            <p:blipFill rotWithShape="1">
+              <a:blip r:embed="rId4">
+                <a:extLst>
+                  <a:ext uri="{BEBA8EAE-BF5A-486C-A8C5-ECC9F3942E4B}">
+                    <a14:imgProps xmlns:a14="http://schemas.microsoft.com/office/drawing/2010/main">
+                      <a14:imgLayer r:embed="rId5">
+                        <a14:imgEffect>
+                          <a14:backgroundRemoval t="40687" b="53085" l="8916" r="15555">
+                            <a14:foregroundMark x1="11610" y1="41153" x2="11610" y2="41153"/>
+                            <a14:foregroundMark x1="10840" y1="41560" x2="10840" y2="41560"/>
+                            <a14:foregroundMark x1="9557" y1="43364" x2="9557" y2="43364"/>
+                            <a14:foregroundMark x1="8916" y1="45984" x2="8916" y2="45984"/>
+                            <a14:foregroundMark x1="12155" y1="53143" x2="12155" y2="53143"/>
+                            <a14:foregroundMark x1="15555" y1="47905" x2="15555" y2="47905"/>
+                          </a14:backgroundRemoval>
+                        </a14:imgEffect>
+                      </a14:imgLayer>
+                    </a14:imgProps>
+                  </a:ext>
+                  <a:ext uri="{28A0092B-C50C-407E-A947-70E740481C1C}">
+                    <a14:useLocalDpi xmlns:a14="http://schemas.microsoft.com/office/drawing/2010/main" val="0"/>
+                  </a:ext>
+                </a:extLst>
+              </a:blip>
+              <a:srcRect l="8667" t="40761" r="84317" b="46509"/>
+              <a:stretch/>
+            </p:blipFill>
+            <p:spPr>
+              <a:xfrm>
+                <a:off x="3619500" y="653401"/>
+                <a:ext cx="720153" cy="720000"/>
+              </a:xfrm>
+              <a:prstGeom prst="rect">
+                <a:avLst/>
+              </a:prstGeom>
+            </p:spPr>
+          </p:pic>
+        </p:grpSp>
+        <p:grpSp>
+          <p:nvGrpSpPr>
+            <p:cNvPr id="8" name="Group 7">
+              <a:extLst>
+                <a:ext uri="{FF2B5EF4-FFF2-40B4-BE49-F238E27FC236}">
+                  <a16:creationId xmlns:a16="http://schemas.microsoft.com/office/drawing/2014/main" id="{567F2108-09FB-44C0-86E7-75949313942F}"/>
+                </a:ext>
+              </a:extLst>
+            </p:cNvPr>
+            <p:cNvGrpSpPr/>
+            <p:nvPr/>
+          </p:nvGrpSpPr>
+          <p:grpSpPr>
+            <a:xfrm>
+              <a:off x="1730193" y="2072654"/>
+              <a:ext cx="1556836" cy="1019195"/>
+              <a:chOff x="1064459" y="3533401"/>
+              <a:chExt cx="1556836" cy="1019195"/>
+            </a:xfrm>
+          </p:grpSpPr>
+          <p:sp>
+            <p:nvSpPr>
+              <p:cNvPr id="31" name="TextBox 30">
+                <a:extLst>
+                  <a:ext uri="{FF2B5EF4-FFF2-40B4-BE49-F238E27FC236}">
+                    <a16:creationId xmlns:a16="http://schemas.microsoft.com/office/drawing/2014/main" id="{C5A1A6AF-EE50-4380-B53B-8F35C4145DFE}"/>
+                  </a:ext>
+                </a:extLst>
+              </p:cNvPr>
+              <p:cNvSpPr txBox="1"/>
+              <p:nvPr/>
+            </p:nvSpPr>
+            <p:spPr>
+              <a:xfrm>
+                <a:off x="1064459" y="4244819"/>
+                <a:ext cx="1556836" cy="307777"/>
+              </a:xfrm>
+              <a:prstGeom prst="rect">
+                <a:avLst/>
+              </a:prstGeom>
+              <a:noFill/>
+              <a:ln>
+                <a:noFill/>
+              </a:ln>
+            </p:spPr>
+            <p:txBody>
+              <a:bodyPr wrap="none" rtlCol="0">
+                <a:spAutoFit/>
+              </a:bodyPr>
+              <a:lstStyle/>
+              <a:p>
+                <a:r>
+                  <a:rPr lang="en-SG" sz="1400" dirty="0">
+                    <a:solidFill>
+                      <a:schemeClr val="bg1">
+                        <a:lumMod val="65000"/>
+                      </a:schemeClr>
+                    </a:solidFill>
+                    <a:latin typeface="IBM Plex Sans Light" panose="020B0403050203000203" pitchFamily="34" charset="0"/>
+                  </a:rPr>
+                  <a:t>IBM IoT Platform</a:t>
+                </a:r>
+              </a:p>
+            </p:txBody>
+          </p:sp>
+          <p:pic>
+            <p:nvPicPr>
+              <p:cNvPr id="32" name="Picture 31">
+                <a:extLst>
+                  <a:ext uri="{FF2B5EF4-FFF2-40B4-BE49-F238E27FC236}">
+                    <a16:creationId xmlns:a16="http://schemas.microsoft.com/office/drawing/2014/main" id="{50438E28-55A0-4849-A031-F930482F3A99}"/>
+                  </a:ext>
+                </a:extLst>
+              </p:cNvPr>
+              <p:cNvPicPr>
+                <a:picLocks noChangeAspect="1"/>
+              </p:cNvPicPr>
+              <p:nvPr/>
+            </p:nvPicPr>
+            <p:blipFill>
+              <a:blip r:embed="rId6">
+                <a:extLst>
+                  <a:ext uri="{28A0092B-C50C-407E-A947-70E740481C1C}">
+                    <a14:useLocalDpi xmlns:a14="http://schemas.microsoft.com/office/drawing/2010/main" val="0"/>
+                  </a:ext>
+                </a:extLst>
+              </a:blip>
+              <a:stretch>
+                <a:fillRect/>
+              </a:stretch>
+            </p:blipFill>
+            <p:spPr>
+              <a:xfrm>
+                <a:off x="1482879" y="3533401"/>
+                <a:ext cx="720000" cy="720000"/>
+              </a:xfrm>
+              <a:prstGeom prst="rect">
+                <a:avLst/>
+              </a:prstGeom>
+            </p:spPr>
+          </p:pic>
+        </p:grpSp>
+        <p:grpSp>
+          <p:nvGrpSpPr>
+            <p:cNvPr id="9" name="Group 8">
+              <a:extLst>
+                <a:ext uri="{FF2B5EF4-FFF2-40B4-BE49-F238E27FC236}">
+                  <a16:creationId xmlns:a16="http://schemas.microsoft.com/office/drawing/2014/main" id="{90573E0E-FA3E-4253-8B81-420117EDB14A}"/>
+                </a:ext>
+              </a:extLst>
+            </p:cNvPr>
+            <p:cNvGrpSpPr/>
+            <p:nvPr/>
+          </p:nvGrpSpPr>
+          <p:grpSpPr>
+            <a:xfrm>
+              <a:off x="4491443" y="4809663"/>
+              <a:ext cx="1335622" cy="1027777"/>
+              <a:chOff x="1175068" y="653401"/>
+              <a:chExt cx="1335622" cy="1027777"/>
+            </a:xfrm>
+          </p:grpSpPr>
+          <p:pic>
+            <p:nvPicPr>
+              <p:cNvPr id="29" name="Graphic 28">
+                <a:extLst>
+                  <a:ext uri="{FF2B5EF4-FFF2-40B4-BE49-F238E27FC236}">
+                    <a16:creationId xmlns:a16="http://schemas.microsoft.com/office/drawing/2014/main" id="{1CF5FF1B-93EF-4C48-8FCF-BD790A2E8CA2}"/>
+                  </a:ext>
+                </a:extLst>
+              </p:cNvPr>
+              <p:cNvPicPr>
+                <a:picLocks noChangeAspect="1"/>
+              </p:cNvPicPr>
+              <p:nvPr/>
+            </p:nvPicPr>
+            <p:blipFill>
+              <a:blip r:embed="rId7">
+                <a:extLst>
+                  <a:ext uri="{28A0092B-C50C-407E-A947-70E740481C1C}">
+                    <a14:useLocalDpi xmlns:a14="http://schemas.microsoft.com/office/drawing/2010/main" val="0"/>
+                  </a:ext>
+                  <a:ext uri="{96DAC541-7B7A-43D3-8B79-37D633B846F1}">
+                    <asvg:svgBlip xmlns:asvg="http://schemas.microsoft.com/office/drawing/2016/SVG/main" r:embed="rId8"/>
+                  </a:ext>
+                </a:extLst>
+              </a:blip>
+              <a:stretch>
+                <a:fillRect/>
+              </a:stretch>
+            </p:blipFill>
+            <p:spPr>
+              <a:xfrm>
+                <a:off x="1482879" y="653401"/>
+                <a:ext cx="720000" cy="720000"/>
+              </a:xfrm>
+              <a:prstGeom prst="rect">
+                <a:avLst/>
+              </a:prstGeom>
+            </p:spPr>
+          </p:pic>
+          <p:sp>
+            <p:nvSpPr>
+              <p:cNvPr id="30" name="TextBox 29">
+                <a:extLst>
+                  <a:ext uri="{FF2B5EF4-FFF2-40B4-BE49-F238E27FC236}">
+                    <a16:creationId xmlns:a16="http://schemas.microsoft.com/office/drawing/2014/main" id="{C7E4FA42-DAF4-4D18-98D5-F81AF3832598}"/>
+                  </a:ext>
+                </a:extLst>
+              </p:cNvPr>
+              <p:cNvSpPr txBox="1"/>
+              <p:nvPr/>
+            </p:nvSpPr>
+            <p:spPr>
+              <a:xfrm>
+                <a:off x="1175068" y="1373401"/>
+                <a:ext cx="1335622" cy="307777"/>
+              </a:xfrm>
+              <a:prstGeom prst="rect">
+                <a:avLst/>
+              </a:prstGeom>
+              <a:noFill/>
+              <a:ln>
+                <a:noFill/>
+              </a:ln>
+            </p:spPr>
+            <p:txBody>
+              <a:bodyPr wrap="none" rtlCol="0">
+                <a:spAutoFit/>
+              </a:bodyPr>
+              <a:lstStyle/>
+              <a:p>
+                <a:r>
+                  <a:rPr lang="en-SG" sz="1400" dirty="0">
+                    <a:solidFill>
+                      <a:schemeClr val="bg1">
+                        <a:lumMod val="65000"/>
+                      </a:schemeClr>
+                    </a:solidFill>
+                    <a:latin typeface="IBM Plex Sans Light" panose="020B0403050203000203" pitchFamily="34" charset="0"/>
+                  </a:rPr>
+                  <a:t>Watson Studio</a:t>
+                </a:r>
+              </a:p>
+            </p:txBody>
+          </p:sp>
+        </p:grpSp>
+        <p:grpSp>
+          <p:nvGrpSpPr>
+            <p:cNvPr id="10" name="Group 9">
+              <a:extLst>
+                <a:ext uri="{FF2B5EF4-FFF2-40B4-BE49-F238E27FC236}">
+                  <a16:creationId xmlns:a16="http://schemas.microsoft.com/office/drawing/2014/main" id="{32B0E6CD-7D44-4775-BC06-C8DE312CCE23}"/>
+                </a:ext>
+              </a:extLst>
+            </p:cNvPr>
+            <p:cNvGrpSpPr/>
+            <p:nvPr/>
+          </p:nvGrpSpPr>
+          <p:grpSpPr>
+            <a:xfrm>
+              <a:off x="7084506" y="2084954"/>
+              <a:ext cx="1018227" cy="1011253"/>
+              <a:chOff x="8745028" y="4776128"/>
+              <a:chExt cx="1018227" cy="1011253"/>
+            </a:xfrm>
+          </p:grpSpPr>
+          <p:pic>
+            <p:nvPicPr>
+              <p:cNvPr id="27" name="Graphic 26">
+                <a:extLst>
+                  <a:ext uri="{FF2B5EF4-FFF2-40B4-BE49-F238E27FC236}">
+                    <a16:creationId xmlns:a16="http://schemas.microsoft.com/office/drawing/2014/main" id="{4F437A08-8B6C-465A-8C89-344A33606437}"/>
+                  </a:ext>
+                </a:extLst>
+              </p:cNvPr>
+              <p:cNvPicPr>
+                <a:picLocks noChangeAspect="1"/>
+              </p:cNvPicPr>
+              <p:nvPr/>
+            </p:nvPicPr>
+            <p:blipFill>
+              <a:blip r:embed="rId9">
+                <a:extLst>
+                  <a:ext uri="{28A0092B-C50C-407E-A947-70E740481C1C}">
+                    <a14:useLocalDpi xmlns:a14="http://schemas.microsoft.com/office/drawing/2010/main" val="0"/>
+                  </a:ext>
+                  <a:ext uri="{96DAC541-7B7A-43D3-8B79-37D633B846F1}">
+                    <asvg:svgBlip xmlns:asvg="http://schemas.microsoft.com/office/drawing/2016/SVG/main" r:embed="rId10"/>
+                  </a:ext>
+                </a:extLst>
+              </a:blip>
+              <a:stretch>
+                <a:fillRect/>
+              </a:stretch>
+            </p:blipFill>
+            <p:spPr>
+              <a:xfrm>
+                <a:off x="8878401" y="4776128"/>
+                <a:ext cx="720000" cy="720000"/>
+              </a:xfrm>
+              <a:prstGeom prst="rect">
+                <a:avLst/>
+              </a:prstGeom>
+            </p:spPr>
+          </p:pic>
+          <p:sp>
+            <p:nvSpPr>
+              <p:cNvPr id="28" name="TextBox 27">
+                <a:extLst>
+                  <a:ext uri="{FF2B5EF4-FFF2-40B4-BE49-F238E27FC236}">
+                    <a16:creationId xmlns:a16="http://schemas.microsoft.com/office/drawing/2014/main" id="{AED8B9DA-DEE3-44B1-B994-9D44979B9446}"/>
+                  </a:ext>
+                </a:extLst>
+              </p:cNvPr>
+              <p:cNvSpPr txBox="1"/>
+              <p:nvPr/>
+            </p:nvSpPr>
+            <p:spPr>
+              <a:xfrm>
+                <a:off x="8745028" y="5479604"/>
+                <a:ext cx="1018227" cy="307777"/>
+              </a:xfrm>
+              <a:prstGeom prst="rect">
+                <a:avLst/>
+              </a:prstGeom>
+              <a:noFill/>
+              <a:ln>
+                <a:noFill/>
+              </a:ln>
+            </p:spPr>
+            <p:txBody>
+              <a:bodyPr wrap="none" rtlCol="0">
+                <a:spAutoFit/>
+              </a:bodyPr>
+              <a:lstStyle/>
+              <a:p>
+                <a:r>
+                  <a:rPr lang="en-SG" sz="1400" dirty="0">
+                    <a:solidFill>
+                      <a:schemeClr val="bg1">
+                        <a:lumMod val="65000"/>
+                      </a:schemeClr>
+                    </a:solidFill>
+                    <a:latin typeface="IBM Plex Sans Light" panose="020B0403050203000203" pitchFamily="34" charset="0"/>
+                  </a:rPr>
+                  <a:t>Node-RED</a:t>
+                </a:r>
+              </a:p>
+            </p:txBody>
+          </p:sp>
+        </p:grpSp>
+        <p:grpSp>
+          <p:nvGrpSpPr>
+            <p:cNvPr id="11" name="Group 10">
+              <a:extLst>
+                <a:ext uri="{FF2B5EF4-FFF2-40B4-BE49-F238E27FC236}">
+                  <a16:creationId xmlns:a16="http://schemas.microsoft.com/office/drawing/2014/main" id="{F772B696-0711-4586-B105-C263A260A4CB}"/>
+                </a:ext>
+              </a:extLst>
+            </p:cNvPr>
+            <p:cNvGrpSpPr/>
+            <p:nvPr/>
+          </p:nvGrpSpPr>
+          <p:grpSpPr>
+            <a:xfrm>
+              <a:off x="1937781" y="3571221"/>
+              <a:ext cx="1141659" cy="1028170"/>
+              <a:chOff x="1565534" y="92050"/>
+              <a:chExt cx="1141659" cy="1028170"/>
+            </a:xfrm>
+          </p:grpSpPr>
+          <p:pic>
+            <p:nvPicPr>
+              <p:cNvPr id="25" name="Picture 24">
+                <a:extLst>
+                  <a:ext uri="{FF2B5EF4-FFF2-40B4-BE49-F238E27FC236}">
+                    <a16:creationId xmlns:a16="http://schemas.microsoft.com/office/drawing/2014/main" id="{70F1A53D-E15A-47A5-9420-25ED1A7655A5}"/>
+                  </a:ext>
+                </a:extLst>
+              </p:cNvPr>
+              <p:cNvPicPr>
+                <a:picLocks noChangeAspect="1"/>
+              </p:cNvPicPr>
+              <p:nvPr/>
+            </p:nvPicPr>
+            <p:blipFill rotWithShape="1">
+              <a:blip r:embed="rId11">
+                <a:duotone>
+                  <a:schemeClr val="accent3">
+                    <a:shade val="45000"/>
+                    <a:satMod val="135000"/>
+                  </a:schemeClr>
+                  <a:prstClr val="white"/>
+                </a:duotone>
+                <a:extLst>
+                  <a:ext uri="{28A0092B-C50C-407E-A947-70E740481C1C}">
+                    <a14:useLocalDpi xmlns:a14="http://schemas.microsoft.com/office/drawing/2010/main" val="0"/>
+                  </a:ext>
+                </a:extLst>
+              </a:blip>
+              <a:srcRect l="21584" t="20842" r="21968" b="20108"/>
+              <a:stretch/>
+            </p:blipFill>
+            <p:spPr>
+              <a:xfrm>
+                <a:off x="1765293" y="92050"/>
+                <a:ext cx="730597" cy="720000"/>
+              </a:xfrm>
+              <a:prstGeom prst="rect">
+                <a:avLst/>
+              </a:prstGeom>
+            </p:spPr>
+          </p:pic>
+          <p:sp>
+            <p:nvSpPr>
+              <p:cNvPr id="26" name="TextBox 25">
+                <a:extLst>
+                  <a:ext uri="{FF2B5EF4-FFF2-40B4-BE49-F238E27FC236}">
+                    <a16:creationId xmlns:a16="http://schemas.microsoft.com/office/drawing/2014/main" id="{DFBE7F69-3FD4-4A5B-8008-0B5D9ECCB8FF}"/>
+                  </a:ext>
+                </a:extLst>
+              </p:cNvPr>
+              <p:cNvSpPr txBox="1"/>
+              <p:nvPr/>
+            </p:nvSpPr>
+            <p:spPr>
+              <a:xfrm>
+                <a:off x="1565534" y="812443"/>
+                <a:ext cx="1141659" cy="307777"/>
+              </a:xfrm>
+              <a:prstGeom prst="rect">
+                <a:avLst/>
+              </a:prstGeom>
+              <a:noFill/>
+              <a:ln>
+                <a:noFill/>
+              </a:ln>
+            </p:spPr>
+            <p:txBody>
+              <a:bodyPr wrap="none" rtlCol="0">
+                <a:spAutoFit/>
+              </a:bodyPr>
+              <a:lstStyle/>
+              <a:p>
+                <a:r>
+                  <a:rPr lang="en-SG" sz="1400" dirty="0">
+                    <a:solidFill>
+                      <a:schemeClr val="bg1">
+                        <a:lumMod val="65000"/>
+                      </a:schemeClr>
+                    </a:solidFill>
+                    <a:latin typeface="IBM Plex Sans Light" panose="020B0403050203000203" pitchFamily="34" charset="0"/>
+                  </a:rPr>
+                  <a:t>Visual Input</a:t>
+                </a:r>
+              </a:p>
+            </p:txBody>
+          </p:sp>
+        </p:grpSp>
+        <p:grpSp>
+          <p:nvGrpSpPr>
+            <p:cNvPr id="12" name="Group 11">
+              <a:extLst>
+                <a:ext uri="{FF2B5EF4-FFF2-40B4-BE49-F238E27FC236}">
+                  <a16:creationId xmlns:a16="http://schemas.microsoft.com/office/drawing/2014/main" id="{4199B813-9AA4-4198-9D92-6F6E501B64C8}"/>
+                </a:ext>
+              </a:extLst>
+            </p:cNvPr>
+            <p:cNvGrpSpPr/>
+            <p:nvPr/>
+          </p:nvGrpSpPr>
+          <p:grpSpPr>
+            <a:xfrm>
+              <a:off x="6922603" y="851925"/>
+              <a:ext cx="1342034" cy="1019999"/>
+              <a:chOff x="1467147" y="1289147"/>
+              <a:chExt cx="1342034" cy="1019999"/>
+            </a:xfrm>
+          </p:grpSpPr>
+          <p:pic>
+            <p:nvPicPr>
+              <p:cNvPr id="23" name="Picture 65">
+                <a:extLst>
+                  <a:ext uri="{FF2B5EF4-FFF2-40B4-BE49-F238E27FC236}">
+                    <a16:creationId xmlns:a16="http://schemas.microsoft.com/office/drawing/2014/main" id="{259CDA0D-95F8-49B1-BF7F-0E300C375933}"/>
+                  </a:ext>
+                </a:extLst>
+              </p:cNvPr>
+              <p:cNvPicPr>
+                <a:picLocks noChangeAspect="1"/>
+              </p:cNvPicPr>
+              <p:nvPr/>
+            </p:nvPicPr>
+            <p:blipFill>
+              <a:blip r:embed="rId12">
+                <a:extLst>
+                  <a:ext uri="{28A0092B-C50C-407E-A947-70E740481C1C}">
+                    <a14:useLocalDpi xmlns:a14="http://schemas.microsoft.com/office/drawing/2010/main" val="0"/>
+                  </a:ext>
+                  <a:ext uri="{96DAC541-7B7A-43D3-8B79-37D633B846F1}">
+                    <asvg:svgBlip xmlns:asvg="http://schemas.microsoft.com/office/drawing/2016/SVG/main" r:embed="rId13"/>
+                  </a:ext>
+                </a:extLst>
+              </a:blip>
+              <a:srcRect/>
+              <a:stretch/>
+            </p:blipFill>
+            <p:spPr>
+              <a:xfrm>
+                <a:off x="1865716" y="1289147"/>
+                <a:ext cx="529411" cy="720000"/>
+              </a:xfrm>
+              <a:prstGeom prst="rect">
+                <a:avLst/>
+              </a:prstGeom>
+            </p:spPr>
+          </p:pic>
+          <p:sp>
+            <p:nvSpPr>
+              <p:cNvPr id="24" name="TextBox 23">
+                <a:extLst>
+                  <a:ext uri="{FF2B5EF4-FFF2-40B4-BE49-F238E27FC236}">
+                    <a16:creationId xmlns:a16="http://schemas.microsoft.com/office/drawing/2014/main" id="{39AF2029-4D90-4ABD-B2BC-C1BF8342281E}"/>
+                  </a:ext>
+                </a:extLst>
+              </p:cNvPr>
+              <p:cNvSpPr txBox="1"/>
+              <p:nvPr/>
+            </p:nvSpPr>
+            <p:spPr>
+              <a:xfrm>
+                <a:off x="1467147" y="2001369"/>
+                <a:ext cx="1342034" cy="307777"/>
+              </a:xfrm>
+              <a:prstGeom prst="rect">
+                <a:avLst/>
+              </a:prstGeom>
+              <a:noFill/>
+              <a:ln>
+                <a:noFill/>
+              </a:ln>
+            </p:spPr>
+            <p:txBody>
+              <a:bodyPr wrap="none" rtlCol="0">
+                <a:spAutoFit/>
+              </a:bodyPr>
+              <a:lstStyle/>
+              <a:p>
+                <a:r>
+                  <a:rPr lang="en-SG" sz="1400" dirty="0">
+                    <a:solidFill>
+                      <a:schemeClr val="bg1">
+                        <a:lumMod val="65000"/>
+                      </a:schemeClr>
+                    </a:solidFill>
+                    <a:latin typeface="IBM Plex Sans Light" panose="020B0403050203000203" pitchFamily="34" charset="0"/>
+                  </a:rPr>
+                  <a:t>Cloud Foundry</a:t>
+                </a:r>
+              </a:p>
+            </p:txBody>
+          </p:sp>
+        </p:grpSp>
+        <p:cxnSp>
+          <p:nvCxnSpPr>
+            <p:cNvPr id="13" name="Straight Connector 12">
+              <a:extLst>
+                <a:ext uri="{FF2B5EF4-FFF2-40B4-BE49-F238E27FC236}">
+                  <a16:creationId xmlns:a16="http://schemas.microsoft.com/office/drawing/2014/main" id="{5EF85056-96B9-44C5-85BE-7391769FA15C}"/>
+                </a:ext>
+              </a:extLst>
+            </p:cNvPr>
+            <p:cNvCxnSpPr>
+              <a:stCxn id="25" idx="3"/>
+              <a:endCxn id="35" idx="1"/>
+            </p:cNvCxnSpPr>
+            <p:nvPr/>
+          </p:nvCxnSpPr>
+          <p:spPr>
+            <a:xfrm>
+              <a:off x="2868137" y="3931221"/>
+              <a:ext cx="1931117" cy="10613"/>
+            </a:xfrm>
+            <a:prstGeom prst="line">
+              <a:avLst/>
+            </a:prstGeom>
+            <a:ln>
+              <a:solidFill>
+                <a:schemeClr val="bg1">
+                  <a:lumMod val="65000"/>
+                </a:schemeClr>
+              </a:solidFill>
+            </a:ln>
+          </p:spPr>
+          <p:style>
+            <a:lnRef idx="1">
+              <a:schemeClr val="accent1"/>
+            </a:lnRef>
+            <a:fillRef idx="0">
+              <a:schemeClr val="accent1"/>
+            </a:fillRef>
+            <a:effectRef idx="0">
+              <a:schemeClr val="accent1"/>
+            </a:effectRef>
+            <a:fontRef idx="minor">
+              <a:schemeClr val="tx1"/>
+            </a:fontRef>
+          </p:style>
+        </p:cxnSp>
+        <p:sp>
+          <p:nvSpPr>
+            <p:cNvPr id="14" name="Rectangle 13">
+              <a:extLst>
+                <a:ext uri="{FF2B5EF4-FFF2-40B4-BE49-F238E27FC236}">
+                  <a16:creationId xmlns:a16="http://schemas.microsoft.com/office/drawing/2014/main" id="{29E1F089-B80C-4BBC-B1CF-1F9F7169E707}"/>
+                </a:ext>
+              </a:extLst>
+            </p:cNvPr>
+            <p:cNvSpPr/>
+            <p:nvPr/>
+          </p:nvSpPr>
+          <p:spPr>
+            <a:xfrm>
+              <a:off x="4332325" y="3352124"/>
+              <a:ext cx="1800200" cy="1383989"/>
+            </a:xfrm>
+            <a:prstGeom prst="rect">
+              <a:avLst/>
+            </a:prstGeom>
+            <a:noFill/>
+            <a:ln w="6350">
+              <a:solidFill>
+                <a:schemeClr val="bg1">
+                  <a:lumMod val="65000"/>
+                </a:schemeClr>
+              </a:solidFill>
+              <a:prstDash val="lgDash"/>
+            </a:ln>
+          </p:spPr>
+          <p:style>
+            <a:lnRef idx="2">
+              <a:schemeClr val="accent1">
+                <a:shade val="50000"/>
+              </a:schemeClr>
+            </a:lnRef>
+            <a:fillRef idx="1">
+              <a:schemeClr val="accent1"/>
+            </a:fillRef>
+            <a:effectRef idx="0">
+              <a:schemeClr val="accent1"/>
+            </a:effectRef>
+            <a:fontRef idx="minor">
+              <a:schemeClr val="lt1"/>
+            </a:fontRef>
+          </p:style>
+          <p:txBody>
+            <a:bodyPr rtlCol="0" anchor="ctr"/>
+            <a:lstStyle/>
+            <a:p>
+              <a:pPr algn="ctr"/>
+              <a:endParaRPr lang="en-SG">
+                <a:solidFill>
+                  <a:schemeClr val="bg1">
+                    <a:lumMod val="65000"/>
+                  </a:schemeClr>
+                </a:solidFill>
+              </a:endParaRPr>
+            </a:p>
+          </p:txBody>
+        </p:sp>
+        <p:cxnSp>
+          <p:nvCxnSpPr>
+            <p:cNvPr id="15" name="Straight Connector 14">
+              <a:extLst>
+                <a:ext uri="{FF2B5EF4-FFF2-40B4-BE49-F238E27FC236}">
+                  <a16:creationId xmlns:a16="http://schemas.microsoft.com/office/drawing/2014/main" id="{BC5E3407-6499-4B14-8270-2B36DFE823DE}"/>
+                </a:ext>
+              </a:extLst>
+            </p:cNvPr>
+            <p:cNvCxnSpPr>
+              <a:stCxn id="32" idx="3"/>
+              <a:endCxn id="27" idx="1"/>
+            </p:cNvCxnSpPr>
+            <p:nvPr/>
+          </p:nvCxnSpPr>
+          <p:spPr>
+            <a:xfrm>
+              <a:off x="2868613" y="2432654"/>
+              <a:ext cx="4349266" cy="12300"/>
+            </a:xfrm>
+            <a:prstGeom prst="line">
+              <a:avLst/>
+            </a:prstGeom>
+            <a:ln>
+              <a:solidFill>
+                <a:schemeClr val="bg1">
+                  <a:lumMod val="65000"/>
+                </a:schemeClr>
+              </a:solidFill>
+            </a:ln>
+          </p:spPr>
+          <p:style>
+            <a:lnRef idx="1">
+              <a:schemeClr val="accent1"/>
+            </a:lnRef>
+            <a:fillRef idx="0">
+              <a:schemeClr val="accent1"/>
+            </a:fillRef>
+            <a:effectRef idx="0">
+              <a:schemeClr val="accent1"/>
+            </a:effectRef>
+            <a:fontRef idx="minor">
+              <a:schemeClr val="tx1"/>
+            </a:fontRef>
+          </p:style>
+        </p:cxnSp>
+        <p:cxnSp>
+          <p:nvCxnSpPr>
+            <p:cNvPr id="16" name="Connector: Curved 15">
+              <a:extLst>
+                <a:ext uri="{FF2B5EF4-FFF2-40B4-BE49-F238E27FC236}">
+                  <a16:creationId xmlns:a16="http://schemas.microsoft.com/office/drawing/2014/main" id="{9F7053A7-A50B-4E1E-B7A9-A5DAB989AD4A}"/>
+                </a:ext>
+              </a:extLst>
+            </p:cNvPr>
+            <p:cNvCxnSpPr>
+              <a:stCxn id="35" idx="3"/>
+              <a:endCxn id="28" idx="2"/>
+            </p:cNvCxnSpPr>
+            <p:nvPr/>
+          </p:nvCxnSpPr>
+          <p:spPr>
+            <a:xfrm flipV="1">
+              <a:off x="5519254" y="3096207"/>
+              <a:ext cx="2074366" cy="845627"/>
+            </a:xfrm>
+            <a:prstGeom prst="curvedConnector2">
+              <a:avLst/>
+            </a:prstGeom>
+            <a:ln>
+              <a:solidFill>
+                <a:schemeClr val="bg1">
+                  <a:lumMod val="65000"/>
+                </a:schemeClr>
+              </a:solidFill>
+            </a:ln>
+          </p:spPr>
+          <p:style>
+            <a:lnRef idx="1">
+              <a:schemeClr val="accent1"/>
+            </a:lnRef>
+            <a:fillRef idx="0">
+              <a:schemeClr val="accent1"/>
+            </a:fillRef>
+            <a:effectRef idx="0">
+              <a:schemeClr val="accent1"/>
+            </a:effectRef>
+            <a:fontRef idx="minor">
+              <a:schemeClr val="tx1"/>
+            </a:fontRef>
+          </p:style>
+        </p:cxnSp>
+        <p:cxnSp>
+          <p:nvCxnSpPr>
+            <p:cNvPr id="17" name="Straight Connector 16">
+              <a:extLst>
+                <a:ext uri="{FF2B5EF4-FFF2-40B4-BE49-F238E27FC236}">
+                  <a16:creationId xmlns:a16="http://schemas.microsoft.com/office/drawing/2014/main" id="{BCC0FE1F-52F2-4DA5-8305-1C3DC56E673A}"/>
+                </a:ext>
+              </a:extLst>
+            </p:cNvPr>
+            <p:cNvCxnSpPr>
+              <a:cxnSpLocks/>
+              <a:stCxn id="27" idx="3"/>
+              <a:endCxn id="34" idx="1"/>
+            </p:cNvCxnSpPr>
+            <p:nvPr/>
+          </p:nvCxnSpPr>
+          <p:spPr>
+            <a:xfrm flipV="1">
+              <a:off x="7937879" y="2443267"/>
+              <a:ext cx="1698624" cy="1687"/>
+            </a:xfrm>
+            <a:prstGeom prst="line">
+              <a:avLst/>
+            </a:prstGeom>
+            <a:ln>
+              <a:solidFill>
+                <a:schemeClr val="bg1">
+                  <a:lumMod val="65000"/>
+                </a:schemeClr>
+              </a:solidFill>
+            </a:ln>
+          </p:spPr>
+          <p:style>
+            <a:lnRef idx="1">
+              <a:schemeClr val="accent1"/>
+            </a:lnRef>
+            <a:fillRef idx="0">
+              <a:schemeClr val="accent1"/>
+            </a:fillRef>
+            <a:effectRef idx="0">
+              <a:schemeClr val="accent1"/>
+            </a:effectRef>
+            <a:fontRef idx="minor">
+              <a:schemeClr val="tx1"/>
+            </a:fontRef>
+          </p:style>
+        </p:cxnSp>
+      </p:grpSp>
+    </p:spTree>
+    <p:extLst>
+      <p:ext uri="{BB962C8B-B14F-4D97-AF65-F5344CB8AC3E}">
+        <p14:creationId xmlns:p14="http://schemas.microsoft.com/office/powerpoint/2010/main" val="94124057"/>
+      </p:ext>
+    </p:extLst>
+  </p:cSld>
+  <p:clrMapOvr>
+    <a:masterClrMapping/>
+  </p:clrMapOvr>
+</p:sld>
+</file>
+
+<file path=ppt/slides/slide3.xml><?xml version="1.0" encoding="utf-8"?>
+<p:sld xmlns:a="http://schemas.openxmlformats.org/drawingml/2006/main" xmlns:r="http://schemas.openxmlformats.org/officeDocument/2006/relationships" xmlns:p="http://schemas.openxmlformats.org/presentationml/2006/main">
+  <p:cSld>
+    <p:spTree>
+      <p:nvGrpSpPr>
+        <p:cNvPr id="1" name=""/>
+        <p:cNvGrpSpPr/>
+        <p:nvPr/>
+      </p:nvGrpSpPr>
+      <p:grpSpPr>
+        <a:xfrm>
+          <a:off x="0" y="0"/>
+          <a:ext cx="0" cy="0"/>
+          <a:chOff x="0" y="0"/>
+          <a:chExt cx="0" cy="0"/>
+        </a:xfrm>
+      </p:grpSpPr>
+      <p:grpSp>
+        <p:nvGrpSpPr>
+          <p:cNvPr id="124" name="Group 123">
+            <a:extLst>
+              <a:ext uri="{FF2B5EF4-FFF2-40B4-BE49-F238E27FC236}">
+                <a16:creationId xmlns:a16="http://schemas.microsoft.com/office/drawing/2014/main" id="{B1D19C6B-7BE8-47B8-B43A-E443BEF2EC65}"/>
+              </a:ext>
+            </a:extLst>
+          </p:cNvPr>
+          <p:cNvGrpSpPr/>
+          <p:nvPr/>
+        </p:nvGrpSpPr>
+        <p:grpSpPr>
+          <a:xfrm>
+            <a:off x="1356643" y="2041076"/>
+            <a:ext cx="1556836" cy="2697639"/>
+            <a:chOff x="1356643" y="2041076"/>
+            <a:chExt cx="1556836" cy="2697639"/>
+          </a:xfrm>
+        </p:grpSpPr>
+        <p:grpSp>
+          <p:nvGrpSpPr>
+            <p:cNvPr id="8" name="Group 7">
+              <a:extLst>
+                <a:ext uri="{FF2B5EF4-FFF2-40B4-BE49-F238E27FC236}">
+                  <a16:creationId xmlns:a16="http://schemas.microsoft.com/office/drawing/2014/main" id="{5FD899D7-103A-4102-890E-48E29EB86B20}"/>
+                </a:ext>
+              </a:extLst>
+            </p:cNvPr>
+            <p:cNvGrpSpPr/>
+            <p:nvPr/>
+          </p:nvGrpSpPr>
+          <p:grpSpPr>
+            <a:xfrm>
+              <a:off x="1356643" y="2041076"/>
+              <a:ext cx="1556836" cy="1019195"/>
+              <a:chOff x="1064459" y="3533401"/>
+              <a:chExt cx="1556836" cy="1019195"/>
+            </a:xfrm>
+          </p:grpSpPr>
+          <p:sp>
+            <p:nvSpPr>
+              <p:cNvPr id="31" name="TextBox 30">
+                <a:extLst>
+                  <a:ext uri="{FF2B5EF4-FFF2-40B4-BE49-F238E27FC236}">
+                    <a16:creationId xmlns:a16="http://schemas.microsoft.com/office/drawing/2014/main" id="{C0729820-8590-4EBC-A5A5-8A2B21130674}"/>
+                  </a:ext>
+                </a:extLst>
+              </p:cNvPr>
+              <p:cNvSpPr txBox="1"/>
+              <p:nvPr/>
+            </p:nvSpPr>
+            <p:spPr>
+              <a:xfrm>
+                <a:off x="1064459" y="4244819"/>
+                <a:ext cx="1556836" cy="307777"/>
+              </a:xfrm>
+              <a:prstGeom prst="rect">
+                <a:avLst/>
+              </a:prstGeom>
+              <a:noFill/>
+              <a:ln>
+                <a:noFill/>
+              </a:ln>
+            </p:spPr>
+            <p:txBody>
+              <a:bodyPr wrap="none" rtlCol="0">
+                <a:spAutoFit/>
+              </a:bodyPr>
+              <a:lstStyle/>
+              <a:p>
+                <a:r>
+                  <a:rPr lang="en-SG" sz="1400" dirty="0">
+                    <a:solidFill>
+                      <a:schemeClr val="bg1">
+                        <a:lumMod val="65000"/>
+                      </a:schemeClr>
+                    </a:solidFill>
+                    <a:latin typeface="IBM Plex Sans Light" panose="020B0403050203000203" pitchFamily="34" charset="0"/>
+                  </a:rPr>
+                  <a:t>IBM IoT Platform</a:t>
+                </a:r>
+              </a:p>
+            </p:txBody>
+          </p:sp>
+          <p:pic>
+            <p:nvPicPr>
+              <p:cNvPr id="32" name="Picture 31">
+                <a:extLst>
+                  <a:ext uri="{FF2B5EF4-FFF2-40B4-BE49-F238E27FC236}">
+                    <a16:creationId xmlns:a16="http://schemas.microsoft.com/office/drawing/2014/main" id="{EEFA3D6C-D234-4EE0-BC37-D05C8D678A35}"/>
+                  </a:ext>
+                </a:extLst>
+              </p:cNvPr>
+              <p:cNvPicPr>
+                <a:picLocks noChangeAspect="1"/>
+              </p:cNvPicPr>
+              <p:nvPr/>
+            </p:nvPicPr>
+            <p:blipFill>
+              <a:blip r:embed="rId3">
+                <a:extLst>
+                  <a:ext uri="{28A0092B-C50C-407E-A947-70E740481C1C}">
+                    <a14:useLocalDpi xmlns:a14="http://schemas.microsoft.com/office/drawing/2010/main" val="0"/>
+                  </a:ext>
+                </a:extLst>
+              </a:blip>
+              <a:stretch>
+                <a:fillRect/>
+              </a:stretch>
+            </p:blipFill>
+            <p:spPr>
+              <a:xfrm>
+                <a:off x="1482879" y="3533401"/>
+                <a:ext cx="720000" cy="720000"/>
+              </a:xfrm>
+              <a:prstGeom prst="rect">
+                <a:avLst/>
+              </a:prstGeom>
+            </p:spPr>
+          </p:pic>
+        </p:grpSp>
+        <p:grpSp>
+          <p:nvGrpSpPr>
+            <p:cNvPr id="11" name="Group 10">
+              <a:extLst>
+                <a:ext uri="{FF2B5EF4-FFF2-40B4-BE49-F238E27FC236}">
+                  <a16:creationId xmlns:a16="http://schemas.microsoft.com/office/drawing/2014/main" id="{81B7D815-EAA8-4167-8FE5-B76FDFA122A2}"/>
+                </a:ext>
+              </a:extLst>
+            </p:cNvPr>
+            <p:cNvGrpSpPr/>
+            <p:nvPr/>
+          </p:nvGrpSpPr>
+          <p:grpSpPr>
+            <a:xfrm>
+              <a:off x="1560309" y="3710545"/>
+              <a:ext cx="1141659" cy="1028170"/>
+              <a:chOff x="1565534" y="92050"/>
+              <a:chExt cx="1141659" cy="1028170"/>
+            </a:xfrm>
+          </p:grpSpPr>
+          <p:pic>
+            <p:nvPicPr>
+              <p:cNvPr id="25" name="Picture 24">
+                <a:extLst>
+                  <a:ext uri="{FF2B5EF4-FFF2-40B4-BE49-F238E27FC236}">
+                    <a16:creationId xmlns:a16="http://schemas.microsoft.com/office/drawing/2014/main" id="{96329A84-94D1-4E96-A251-18A79F4FD889}"/>
+                  </a:ext>
+                </a:extLst>
+              </p:cNvPr>
+              <p:cNvPicPr>
+                <a:picLocks noChangeAspect="1"/>
+              </p:cNvPicPr>
+              <p:nvPr/>
+            </p:nvPicPr>
+            <p:blipFill rotWithShape="1">
+              <a:blip r:embed="rId4">
+                <a:duotone>
+                  <a:schemeClr val="accent3">
+                    <a:shade val="45000"/>
+                    <a:satMod val="135000"/>
+                  </a:schemeClr>
+                  <a:prstClr val="white"/>
+                </a:duotone>
+                <a:extLst>
+                  <a:ext uri="{28A0092B-C50C-407E-A947-70E740481C1C}">
+                    <a14:useLocalDpi xmlns:a14="http://schemas.microsoft.com/office/drawing/2010/main" val="0"/>
+                  </a:ext>
+                </a:extLst>
+              </a:blip>
+              <a:srcRect l="21584" t="20842" r="21968" b="20108"/>
+              <a:stretch/>
+            </p:blipFill>
+            <p:spPr>
+              <a:xfrm>
+                <a:off x="1765293" y="92050"/>
+                <a:ext cx="730597" cy="720000"/>
+              </a:xfrm>
+              <a:prstGeom prst="rect">
+                <a:avLst/>
+              </a:prstGeom>
+            </p:spPr>
+          </p:pic>
+          <p:sp>
+            <p:nvSpPr>
+              <p:cNvPr id="26" name="TextBox 25">
+                <a:extLst>
+                  <a:ext uri="{FF2B5EF4-FFF2-40B4-BE49-F238E27FC236}">
+                    <a16:creationId xmlns:a16="http://schemas.microsoft.com/office/drawing/2014/main" id="{ED8BB05B-F785-4E23-9366-6288A1EAB681}"/>
+                  </a:ext>
+                </a:extLst>
+              </p:cNvPr>
+              <p:cNvSpPr txBox="1"/>
+              <p:nvPr/>
+            </p:nvSpPr>
+            <p:spPr>
+              <a:xfrm>
+                <a:off x="1565534" y="812443"/>
+                <a:ext cx="1141659" cy="307777"/>
+              </a:xfrm>
+              <a:prstGeom prst="rect">
+                <a:avLst/>
+              </a:prstGeom>
+              <a:noFill/>
+              <a:ln>
+                <a:noFill/>
+              </a:ln>
+            </p:spPr>
+            <p:txBody>
+              <a:bodyPr wrap="none" rtlCol="0">
+                <a:spAutoFit/>
+              </a:bodyPr>
+              <a:lstStyle/>
+              <a:p>
+                <a:r>
+                  <a:rPr lang="en-SG" sz="1400" dirty="0">
+                    <a:solidFill>
+                      <a:schemeClr val="bg1">
+                        <a:lumMod val="65000"/>
+                      </a:schemeClr>
+                    </a:solidFill>
+                    <a:latin typeface="IBM Plex Sans Light" panose="020B0403050203000203" pitchFamily="34" charset="0"/>
+                  </a:rPr>
+                  <a:t>Visual Input</a:t>
+                </a:r>
+              </a:p>
+            </p:txBody>
+          </p:sp>
+        </p:grpSp>
+      </p:grpSp>
+      <p:grpSp>
+        <p:nvGrpSpPr>
+          <p:cNvPr id="123" name="Group 122">
+            <a:extLst>
+              <a:ext uri="{FF2B5EF4-FFF2-40B4-BE49-F238E27FC236}">
+                <a16:creationId xmlns:a16="http://schemas.microsoft.com/office/drawing/2014/main" id="{A141481F-F44E-4C77-8B4F-B1281F17CF27}"/>
+              </a:ext>
+            </a:extLst>
+          </p:cNvPr>
+          <p:cNvGrpSpPr/>
+          <p:nvPr/>
+        </p:nvGrpSpPr>
+        <p:grpSpPr>
+          <a:xfrm>
+            <a:off x="2490665" y="885397"/>
+            <a:ext cx="5760240" cy="5087206"/>
+            <a:chOff x="2490665" y="885397"/>
+            <a:chExt cx="5760240" cy="5087206"/>
+          </a:xfrm>
+        </p:grpSpPr>
+        <p:grpSp>
+          <p:nvGrpSpPr>
+            <p:cNvPr id="10" name="Group 9">
+              <a:extLst>
+                <a:ext uri="{FF2B5EF4-FFF2-40B4-BE49-F238E27FC236}">
+                  <a16:creationId xmlns:a16="http://schemas.microsoft.com/office/drawing/2014/main" id="{C17F30F2-2BC4-4F7B-AB8A-2433DB0379A5}"/>
+                </a:ext>
+              </a:extLst>
+            </p:cNvPr>
+            <p:cNvGrpSpPr/>
+            <p:nvPr/>
+          </p:nvGrpSpPr>
+          <p:grpSpPr>
+            <a:xfrm>
+              <a:off x="6904065" y="2028570"/>
+              <a:ext cx="1018227" cy="1011253"/>
+              <a:chOff x="8745028" y="4776128"/>
+              <a:chExt cx="1018227" cy="1011253"/>
+            </a:xfrm>
+          </p:grpSpPr>
+          <p:pic>
+            <p:nvPicPr>
+              <p:cNvPr id="27" name="Graphic 26">
+                <a:extLst>
+                  <a:ext uri="{FF2B5EF4-FFF2-40B4-BE49-F238E27FC236}">
+                    <a16:creationId xmlns:a16="http://schemas.microsoft.com/office/drawing/2014/main" id="{6D29F25C-BBF6-44C7-978C-76FF349FC998}"/>
+                  </a:ext>
+                </a:extLst>
+              </p:cNvPr>
+              <p:cNvPicPr>
+                <a:picLocks noChangeAspect="1"/>
+              </p:cNvPicPr>
+              <p:nvPr/>
+            </p:nvPicPr>
+            <p:blipFill>
+              <a:blip r:embed="rId5">
+                <a:extLst>
+                  <a:ext uri="{28A0092B-C50C-407E-A947-70E740481C1C}">
+                    <a14:useLocalDpi xmlns:a14="http://schemas.microsoft.com/office/drawing/2010/main" val="0"/>
+                  </a:ext>
+                  <a:ext uri="{96DAC541-7B7A-43D3-8B79-37D633B846F1}">
+                    <asvg:svgBlip xmlns:asvg="http://schemas.microsoft.com/office/drawing/2016/SVG/main" r:embed="rId6"/>
+                  </a:ext>
+                </a:extLst>
+              </a:blip>
+              <a:stretch>
+                <a:fillRect/>
+              </a:stretch>
+            </p:blipFill>
+            <p:spPr>
+              <a:xfrm>
+                <a:off x="8878401" y="4776128"/>
+                <a:ext cx="720000" cy="720000"/>
+              </a:xfrm>
+              <a:prstGeom prst="rect">
+                <a:avLst/>
+              </a:prstGeom>
+            </p:spPr>
+          </p:pic>
+          <p:sp>
+            <p:nvSpPr>
+              <p:cNvPr id="28" name="TextBox 27">
+                <a:extLst>
+                  <a:ext uri="{FF2B5EF4-FFF2-40B4-BE49-F238E27FC236}">
+                    <a16:creationId xmlns:a16="http://schemas.microsoft.com/office/drawing/2014/main" id="{01D21DFF-ED07-4CB6-8A36-2A220A106E1B}"/>
+                  </a:ext>
+                </a:extLst>
+              </p:cNvPr>
+              <p:cNvSpPr txBox="1"/>
+              <p:nvPr/>
+            </p:nvSpPr>
+            <p:spPr>
+              <a:xfrm>
+                <a:off x="8745028" y="5479604"/>
+                <a:ext cx="1018227" cy="307777"/>
+              </a:xfrm>
+              <a:prstGeom prst="rect">
+                <a:avLst/>
+              </a:prstGeom>
+              <a:noFill/>
+              <a:ln>
+                <a:noFill/>
+              </a:ln>
+            </p:spPr>
+            <p:txBody>
+              <a:bodyPr wrap="none" rtlCol="0">
+                <a:spAutoFit/>
+              </a:bodyPr>
+              <a:lstStyle/>
+              <a:p>
+                <a:r>
+                  <a:rPr lang="en-SG" sz="1400" dirty="0">
+                    <a:solidFill>
+                      <a:schemeClr val="bg1">
+                        <a:lumMod val="65000"/>
+                      </a:schemeClr>
+                    </a:solidFill>
+                    <a:latin typeface="IBM Plex Sans Light" panose="020B0403050203000203" pitchFamily="34" charset="0"/>
+                  </a:rPr>
+                  <a:t>Node-RED</a:t>
+                </a:r>
+              </a:p>
+            </p:txBody>
+          </p:sp>
+        </p:grpSp>
+        <p:grpSp>
+          <p:nvGrpSpPr>
+            <p:cNvPr id="12" name="Group 11">
+              <a:extLst>
+                <a:ext uri="{FF2B5EF4-FFF2-40B4-BE49-F238E27FC236}">
+                  <a16:creationId xmlns:a16="http://schemas.microsoft.com/office/drawing/2014/main" id="{D019FF63-0C32-4BEC-B053-A3C653EB307E}"/>
+                </a:ext>
+              </a:extLst>
+            </p:cNvPr>
+            <p:cNvGrpSpPr/>
+            <p:nvPr/>
+          </p:nvGrpSpPr>
+          <p:grpSpPr>
+            <a:xfrm>
+              <a:off x="5880357" y="885397"/>
+              <a:ext cx="1342034" cy="1019999"/>
+              <a:chOff x="1467147" y="1289147"/>
+              <a:chExt cx="1342034" cy="1019999"/>
+            </a:xfrm>
+          </p:grpSpPr>
+          <p:pic>
+            <p:nvPicPr>
+              <p:cNvPr id="23" name="Picture 65">
+                <a:extLst>
+                  <a:ext uri="{FF2B5EF4-FFF2-40B4-BE49-F238E27FC236}">
+                    <a16:creationId xmlns:a16="http://schemas.microsoft.com/office/drawing/2014/main" id="{77B5EF74-63D7-4A58-AD3E-7747187CD690}"/>
+                  </a:ext>
+                </a:extLst>
+              </p:cNvPr>
+              <p:cNvPicPr>
+                <a:picLocks noChangeAspect="1"/>
+              </p:cNvPicPr>
+              <p:nvPr/>
+            </p:nvPicPr>
+            <p:blipFill>
+              <a:blip r:embed="rId7">
+                <a:extLst>
+                  <a:ext uri="{28A0092B-C50C-407E-A947-70E740481C1C}">
+                    <a14:useLocalDpi xmlns:a14="http://schemas.microsoft.com/office/drawing/2010/main" val="0"/>
+                  </a:ext>
+                  <a:ext uri="{96DAC541-7B7A-43D3-8B79-37D633B846F1}">
+                    <asvg:svgBlip xmlns:asvg="http://schemas.microsoft.com/office/drawing/2016/SVG/main" r:embed="rId8"/>
+                  </a:ext>
+                </a:extLst>
+              </a:blip>
+              <a:srcRect/>
+              <a:stretch/>
+            </p:blipFill>
+            <p:spPr>
+              <a:xfrm>
+                <a:off x="1865716" y="1289147"/>
+                <a:ext cx="529411" cy="720000"/>
+              </a:xfrm>
+              <a:prstGeom prst="rect">
+                <a:avLst/>
+              </a:prstGeom>
+            </p:spPr>
+          </p:pic>
+          <p:sp>
+            <p:nvSpPr>
+              <p:cNvPr id="24" name="TextBox 23">
+                <a:extLst>
+                  <a:ext uri="{FF2B5EF4-FFF2-40B4-BE49-F238E27FC236}">
+                    <a16:creationId xmlns:a16="http://schemas.microsoft.com/office/drawing/2014/main" id="{547C6466-E13D-414C-9431-DEBD428DCDBA}"/>
+                  </a:ext>
+                </a:extLst>
+              </p:cNvPr>
+              <p:cNvSpPr txBox="1"/>
+              <p:nvPr/>
+            </p:nvSpPr>
+            <p:spPr>
+              <a:xfrm>
+                <a:off x="1467147" y="2001369"/>
+                <a:ext cx="1342034" cy="307777"/>
+              </a:xfrm>
+              <a:prstGeom prst="rect">
+                <a:avLst/>
+              </a:prstGeom>
+              <a:noFill/>
+              <a:ln>
+                <a:noFill/>
+              </a:ln>
+            </p:spPr>
+            <p:txBody>
+              <a:bodyPr wrap="none" rtlCol="0">
+                <a:spAutoFit/>
+              </a:bodyPr>
+              <a:lstStyle/>
+              <a:p>
+                <a:r>
+                  <a:rPr lang="en-SG" sz="1400" dirty="0">
+                    <a:solidFill>
+                      <a:schemeClr val="bg1">
+                        <a:lumMod val="65000"/>
+                      </a:schemeClr>
+                    </a:solidFill>
+                    <a:latin typeface="IBM Plex Sans Light" panose="020B0403050203000203" pitchFamily="34" charset="0"/>
+                  </a:rPr>
+                  <a:t>Cloud Foundry</a:t>
+                </a:r>
+              </a:p>
+            </p:txBody>
+          </p:sp>
+        </p:grpSp>
+        <p:grpSp>
+          <p:nvGrpSpPr>
+            <p:cNvPr id="86" name="Group 85">
+              <a:extLst>
+                <a:ext uri="{FF2B5EF4-FFF2-40B4-BE49-F238E27FC236}">
+                  <a16:creationId xmlns:a16="http://schemas.microsoft.com/office/drawing/2014/main" id="{6B8AAD68-9453-42EB-BC6A-44ABA47D492B}"/>
+                </a:ext>
+              </a:extLst>
+            </p:cNvPr>
+            <p:cNvGrpSpPr/>
+            <p:nvPr/>
+          </p:nvGrpSpPr>
+          <p:grpSpPr>
+            <a:xfrm>
+              <a:off x="5095527" y="1979374"/>
+              <a:ext cx="1329210" cy="1132509"/>
+              <a:chOff x="4368897" y="629235"/>
+              <a:chExt cx="1329210" cy="1132509"/>
+            </a:xfrm>
+          </p:grpSpPr>
+          <p:pic>
+            <p:nvPicPr>
+              <p:cNvPr id="81" name="Picture 80">
+                <a:extLst>
+                  <a:ext uri="{FF2B5EF4-FFF2-40B4-BE49-F238E27FC236}">
+                    <a16:creationId xmlns:a16="http://schemas.microsoft.com/office/drawing/2014/main" id="{1000FF95-2808-4146-B5B8-B5783A460BB2}"/>
+                  </a:ext>
+                </a:extLst>
+              </p:cNvPr>
+              <p:cNvPicPr>
+                <a:picLocks noChangeAspect="1"/>
+              </p:cNvPicPr>
+              <p:nvPr/>
+            </p:nvPicPr>
+            <p:blipFill rotWithShape="1">
+              <a:blip r:embed="rId9">
+                <a:extLst>
+                  <a:ext uri="{BEBA8EAE-BF5A-486C-A8C5-ECC9F3942E4B}">
+                    <a14:imgProps xmlns:a14="http://schemas.microsoft.com/office/drawing/2010/main">
+                      <a14:imgLayer r:embed="rId10">
+                        <a14:imgEffect>
+                          <a14:backgroundRemoval t="22519" b="52148" l="42750" r="57250">
+                            <a14:foregroundMark x1="44500" y1="29333" x2="44500" y2="29333"/>
+                            <a14:foregroundMark x1="50833" y1="23704" x2="50833" y2="23704"/>
+                            <a14:foregroundMark x1="57250" y1="31852" x2="57250" y2="31852"/>
+                            <a14:foregroundMark x1="51000" y1="50963" x2="51000" y2="50963"/>
+                            <a14:foregroundMark x1="49417" y1="22519" x2="49417" y2="22519"/>
+                            <a14:foregroundMark x1="50333" y1="22519" x2="50333" y2="22519"/>
+                            <a14:foregroundMark x1="44083" y1="31556" x2="44083" y2="31556"/>
+                            <a14:foregroundMark x1="49417" y1="52000" x2="49417" y2="52000"/>
+                            <a14:foregroundMark x1="50417" y1="52148" x2="50333" y2="52148"/>
+                          </a14:backgroundRemoval>
+                        </a14:imgEffect>
+                      </a14:imgLayer>
+                    </a14:imgProps>
+                  </a:ext>
+                  <a:ext uri="{28A0092B-C50C-407E-A947-70E740481C1C}">
+                    <a14:useLocalDpi xmlns:a14="http://schemas.microsoft.com/office/drawing/2010/main" val="0"/>
+                  </a:ext>
+                </a:extLst>
+              </a:blip>
+              <a:srcRect l="42026" t="21777" r="42596" b="47058"/>
+              <a:stretch/>
+            </p:blipFill>
+            <p:spPr>
+              <a:xfrm>
+                <a:off x="4673502" y="629235"/>
+                <a:ext cx="720000" cy="820753"/>
+              </a:xfrm>
+              <a:prstGeom prst="rect">
+                <a:avLst/>
+              </a:prstGeom>
+            </p:spPr>
+          </p:pic>
+          <p:sp>
+            <p:nvSpPr>
+              <p:cNvPr id="84" name="TextBox 83">
+                <a:extLst>
+                  <a:ext uri="{FF2B5EF4-FFF2-40B4-BE49-F238E27FC236}">
+                    <a16:creationId xmlns:a16="http://schemas.microsoft.com/office/drawing/2014/main" id="{99DB0EA5-51F5-4781-B2F4-A551B8843371}"/>
+                  </a:ext>
+                </a:extLst>
+              </p:cNvPr>
+              <p:cNvSpPr txBox="1"/>
+              <p:nvPr/>
+            </p:nvSpPr>
+            <p:spPr>
+              <a:xfrm>
+                <a:off x="4368897" y="1453967"/>
+                <a:ext cx="1329210" cy="307777"/>
+              </a:xfrm>
+              <a:prstGeom prst="rect">
+                <a:avLst/>
+              </a:prstGeom>
+              <a:noFill/>
+              <a:ln>
+                <a:noFill/>
+              </a:ln>
+            </p:spPr>
+            <p:txBody>
+              <a:bodyPr wrap="none" rtlCol="0">
+                <a:spAutoFit/>
+              </a:bodyPr>
+              <a:lstStyle/>
+              <a:p>
+                <a:r>
+                  <a:rPr lang="en-SG" sz="1400" dirty="0">
+                    <a:solidFill>
+                      <a:schemeClr val="bg1">
+                        <a:lumMod val="65000"/>
+                      </a:schemeClr>
+                    </a:solidFill>
+                    <a:latin typeface="IBM Plex Sans Light" panose="020B0403050203000203" pitchFamily="34" charset="0"/>
+                  </a:rPr>
+                  <a:t>Deep Learning</a:t>
+                </a:r>
+              </a:p>
+            </p:txBody>
+          </p:sp>
+        </p:grpSp>
+        <p:sp>
+          <p:nvSpPr>
+            <p:cNvPr id="93" name="Rectangle 92">
+              <a:extLst>
+                <a:ext uri="{FF2B5EF4-FFF2-40B4-BE49-F238E27FC236}">
+                  <a16:creationId xmlns:a16="http://schemas.microsoft.com/office/drawing/2014/main" id="{76862112-77A7-444F-9014-CC5FDAC8AB55}"/>
+                </a:ext>
+              </a:extLst>
+            </p:cNvPr>
+            <p:cNvSpPr/>
+            <p:nvPr/>
+          </p:nvSpPr>
+          <p:spPr>
+            <a:xfrm>
+              <a:off x="4851843" y="1880825"/>
+              <a:ext cx="3399062" cy="1339699"/>
+            </a:xfrm>
+            <a:prstGeom prst="rect">
+              <a:avLst/>
+            </a:prstGeom>
+            <a:noFill/>
+            <a:ln w="6350">
+              <a:solidFill>
+                <a:schemeClr val="bg1">
+                  <a:lumMod val="65000"/>
+                </a:schemeClr>
+              </a:solidFill>
+              <a:prstDash val="lgDash"/>
+            </a:ln>
+          </p:spPr>
+          <p:style>
+            <a:lnRef idx="2">
+              <a:schemeClr val="accent1">
+                <a:shade val="50000"/>
+              </a:schemeClr>
+            </a:lnRef>
+            <a:fillRef idx="1">
+              <a:schemeClr val="accent1"/>
+            </a:fillRef>
+            <a:effectRef idx="0">
+              <a:schemeClr val="accent1"/>
+            </a:effectRef>
+            <a:fontRef idx="minor">
+              <a:schemeClr val="lt1"/>
+            </a:fontRef>
+          </p:style>
+          <p:txBody>
+            <a:bodyPr rtlCol="0" anchor="ctr"/>
+            <a:lstStyle/>
+            <a:p>
+              <a:pPr algn="ctr"/>
+              <a:endParaRPr lang="en-SG">
+                <a:solidFill>
+                  <a:schemeClr val="bg1">
+                    <a:lumMod val="65000"/>
+                  </a:schemeClr>
+                </a:solidFill>
+              </a:endParaRPr>
+            </a:p>
+          </p:txBody>
+        </p:sp>
+        <p:cxnSp>
+          <p:nvCxnSpPr>
+            <p:cNvPr id="95" name="Straight Arrow Connector 94">
+              <a:extLst>
+                <a:ext uri="{FF2B5EF4-FFF2-40B4-BE49-F238E27FC236}">
+                  <a16:creationId xmlns:a16="http://schemas.microsoft.com/office/drawing/2014/main" id="{96576CB3-ECBD-4E81-B329-FB4B95B47EF6}"/>
+                </a:ext>
+              </a:extLst>
+            </p:cNvPr>
+            <p:cNvCxnSpPr>
+              <a:stCxn id="32" idx="3"/>
+              <a:endCxn id="81" idx="1"/>
+            </p:cNvCxnSpPr>
+            <p:nvPr/>
+          </p:nvCxnSpPr>
+          <p:spPr>
+            <a:xfrm flipV="1">
+              <a:off x="2495063" y="2389751"/>
+              <a:ext cx="2905069" cy="11325"/>
+            </a:xfrm>
+            <a:prstGeom prst="straightConnector1">
+              <a:avLst/>
+            </a:prstGeom>
+            <a:ln>
+              <a:tailEnd type="triangle"/>
+            </a:ln>
+          </p:spPr>
+          <p:style>
+            <a:lnRef idx="1">
+              <a:schemeClr val="accent1"/>
+            </a:lnRef>
+            <a:fillRef idx="0">
+              <a:schemeClr val="accent1"/>
+            </a:fillRef>
+            <a:effectRef idx="0">
+              <a:schemeClr val="accent1"/>
+            </a:effectRef>
+            <a:fontRef idx="minor">
+              <a:schemeClr val="tx1"/>
+            </a:fontRef>
+          </p:style>
+        </p:cxnSp>
+        <p:cxnSp>
+          <p:nvCxnSpPr>
+            <p:cNvPr id="103" name="Straight Arrow Connector 102">
+              <a:extLst>
+                <a:ext uri="{FF2B5EF4-FFF2-40B4-BE49-F238E27FC236}">
+                  <a16:creationId xmlns:a16="http://schemas.microsoft.com/office/drawing/2014/main" id="{F274669D-B73D-4DE2-8E10-A53AB8502D1F}"/>
+                </a:ext>
+              </a:extLst>
+            </p:cNvPr>
+            <p:cNvCxnSpPr>
+              <a:stCxn id="81" idx="1"/>
+              <a:endCxn id="35" idx="3"/>
+            </p:cNvCxnSpPr>
+            <p:nvPr/>
+          </p:nvCxnSpPr>
+          <p:spPr>
+            <a:xfrm flipH="1">
+              <a:off x="4372515" y="2389751"/>
+              <a:ext cx="1027617" cy="1681187"/>
+            </a:xfrm>
+            <a:prstGeom prst="straightConnector1">
+              <a:avLst/>
+            </a:prstGeom>
+            <a:ln>
+              <a:headEnd type="triangle"/>
+              <a:tailEnd type="triangle"/>
+            </a:ln>
+          </p:spPr>
+          <p:style>
+            <a:lnRef idx="1">
+              <a:schemeClr val="accent1"/>
+            </a:lnRef>
+            <a:fillRef idx="0">
+              <a:schemeClr val="accent1"/>
+            </a:fillRef>
+            <a:effectRef idx="0">
+              <a:schemeClr val="accent1"/>
+            </a:effectRef>
+            <a:fontRef idx="minor">
+              <a:schemeClr val="tx1"/>
+            </a:fontRef>
+          </p:style>
+        </p:cxnSp>
+        <p:cxnSp>
+          <p:nvCxnSpPr>
+            <p:cNvPr id="105" name="Straight Arrow Connector 104">
+              <a:extLst>
+                <a:ext uri="{FF2B5EF4-FFF2-40B4-BE49-F238E27FC236}">
+                  <a16:creationId xmlns:a16="http://schemas.microsoft.com/office/drawing/2014/main" id="{D6D0BDF0-1EB0-4B8E-B3EE-765678D8D3AC}"/>
+                </a:ext>
+              </a:extLst>
+            </p:cNvPr>
+            <p:cNvCxnSpPr>
+              <a:stCxn id="81" idx="3"/>
+              <a:endCxn id="27" idx="1"/>
+            </p:cNvCxnSpPr>
+            <p:nvPr/>
+          </p:nvCxnSpPr>
+          <p:spPr>
+            <a:xfrm flipV="1">
+              <a:off x="6120132" y="2388570"/>
+              <a:ext cx="917306" cy="1181"/>
+            </a:xfrm>
+            <a:prstGeom prst="straightConnector1">
+              <a:avLst/>
+            </a:prstGeom>
+            <a:ln>
+              <a:headEnd type="triangle"/>
+              <a:tailEnd type="triangle"/>
+            </a:ln>
+          </p:spPr>
+          <p:style>
+            <a:lnRef idx="1">
+              <a:schemeClr val="accent1"/>
+            </a:lnRef>
+            <a:fillRef idx="0">
+              <a:schemeClr val="accent1"/>
+            </a:fillRef>
+            <a:effectRef idx="0">
+              <a:schemeClr val="accent1"/>
+            </a:effectRef>
+            <a:fontRef idx="minor">
+              <a:schemeClr val="tx1"/>
+            </a:fontRef>
+          </p:style>
+        </p:cxnSp>
+        <p:cxnSp>
+          <p:nvCxnSpPr>
+            <p:cNvPr id="107" name="Straight Arrow Connector 106">
+              <a:extLst>
+                <a:ext uri="{FF2B5EF4-FFF2-40B4-BE49-F238E27FC236}">
+                  <a16:creationId xmlns:a16="http://schemas.microsoft.com/office/drawing/2014/main" id="{1906F738-507C-44A2-B25B-C937C41AEF58}"/>
+                </a:ext>
+              </a:extLst>
+            </p:cNvPr>
+            <p:cNvCxnSpPr>
+              <a:stCxn id="28" idx="2"/>
+              <a:endCxn id="78" idx="3"/>
+            </p:cNvCxnSpPr>
+            <p:nvPr/>
+          </p:nvCxnSpPr>
+          <p:spPr>
+            <a:xfrm flipH="1">
+              <a:off x="6120132" y="3039823"/>
+              <a:ext cx="1293047" cy="1031115"/>
+            </a:xfrm>
+            <a:prstGeom prst="straightConnector1">
+              <a:avLst/>
+            </a:prstGeom>
+            <a:ln>
+              <a:headEnd type="triangle"/>
+              <a:tailEnd type="triangle"/>
+            </a:ln>
+          </p:spPr>
+          <p:style>
+            <a:lnRef idx="1">
+              <a:schemeClr val="accent1"/>
+            </a:lnRef>
+            <a:fillRef idx="0">
+              <a:schemeClr val="accent1"/>
+            </a:fillRef>
+            <a:effectRef idx="0">
+              <a:schemeClr val="accent1"/>
+            </a:effectRef>
+            <a:fontRef idx="minor">
+              <a:schemeClr val="tx1"/>
+            </a:fontRef>
+          </p:style>
+        </p:cxnSp>
+        <p:cxnSp>
+          <p:nvCxnSpPr>
+            <p:cNvPr id="97" name="Straight Arrow Connector 96">
+              <a:extLst>
+                <a:ext uri="{FF2B5EF4-FFF2-40B4-BE49-F238E27FC236}">
+                  <a16:creationId xmlns:a16="http://schemas.microsoft.com/office/drawing/2014/main" id="{1305232C-225F-48E2-8181-51E32505DF87}"/>
+                </a:ext>
+              </a:extLst>
+            </p:cNvPr>
+            <p:cNvCxnSpPr>
+              <a:stCxn id="25" idx="3"/>
+              <a:endCxn id="35" idx="1"/>
+            </p:cNvCxnSpPr>
+            <p:nvPr/>
+          </p:nvCxnSpPr>
+          <p:spPr>
+            <a:xfrm>
+              <a:off x="2490665" y="4070545"/>
+              <a:ext cx="1161850" cy="393"/>
+            </a:xfrm>
+            <a:prstGeom prst="straightConnector1">
+              <a:avLst/>
+            </a:prstGeom>
+            <a:ln>
+              <a:tailEnd type="triangle"/>
+            </a:ln>
+          </p:spPr>
+          <p:style>
+            <a:lnRef idx="1">
+              <a:schemeClr val="accent1"/>
+            </a:lnRef>
+            <a:fillRef idx="0">
+              <a:schemeClr val="accent1"/>
+            </a:fillRef>
+            <a:effectRef idx="0">
+              <a:schemeClr val="accent1"/>
+            </a:effectRef>
+            <a:fontRef idx="minor">
+              <a:schemeClr val="tx1"/>
+            </a:fontRef>
+          </p:style>
+        </p:cxnSp>
+        <p:sp>
+          <p:nvSpPr>
+            <p:cNvPr id="5" name="Rectangle 4">
+              <a:extLst>
+                <a:ext uri="{FF2B5EF4-FFF2-40B4-BE49-F238E27FC236}">
+                  <a16:creationId xmlns:a16="http://schemas.microsoft.com/office/drawing/2014/main" id="{4C8B5E7F-3221-4433-A5A5-A17D8D3AF3B4}"/>
+                </a:ext>
+              </a:extLst>
+            </p:cNvPr>
+            <p:cNvSpPr/>
+            <p:nvPr/>
+          </p:nvSpPr>
+          <p:spPr>
+            <a:xfrm>
+              <a:off x="3196949" y="3511173"/>
+              <a:ext cx="3399062" cy="1339699"/>
+            </a:xfrm>
+            <a:prstGeom prst="rect">
+              <a:avLst/>
+            </a:prstGeom>
+            <a:noFill/>
+            <a:ln w="6350">
+              <a:solidFill>
+                <a:schemeClr val="bg1">
+                  <a:lumMod val="65000"/>
+                </a:schemeClr>
+              </a:solidFill>
+              <a:prstDash val="lgDash"/>
+            </a:ln>
+          </p:spPr>
+          <p:style>
+            <a:lnRef idx="2">
+              <a:schemeClr val="accent1">
+                <a:shade val="50000"/>
+              </a:schemeClr>
+            </a:lnRef>
+            <a:fillRef idx="1">
+              <a:schemeClr val="accent1"/>
+            </a:fillRef>
+            <a:effectRef idx="0">
+              <a:schemeClr val="accent1"/>
+            </a:effectRef>
+            <a:fontRef idx="minor">
+              <a:schemeClr val="lt1"/>
+            </a:fontRef>
+          </p:style>
+          <p:txBody>
+            <a:bodyPr rtlCol="0" anchor="ctr"/>
+            <a:lstStyle/>
+            <a:p>
+              <a:pPr algn="ctr"/>
+              <a:endParaRPr lang="en-SG">
+                <a:solidFill>
+                  <a:schemeClr val="bg1">
+                    <a:lumMod val="65000"/>
+                  </a:schemeClr>
+                </a:solidFill>
+              </a:endParaRPr>
+            </a:p>
+          </p:txBody>
+        </p:sp>
+        <p:grpSp>
+          <p:nvGrpSpPr>
+            <p:cNvPr id="6" name="Group 5">
+              <a:extLst>
+                <a:ext uri="{FF2B5EF4-FFF2-40B4-BE49-F238E27FC236}">
+                  <a16:creationId xmlns:a16="http://schemas.microsoft.com/office/drawing/2014/main" id="{2A7CBBCC-D5BC-438F-BF6C-3FF0A77E904C}"/>
+                </a:ext>
+              </a:extLst>
+            </p:cNvPr>
+            <p:cNvGrpSpPr/>
+            <p:nvPr/>
+          </p:nvGrpSpPr>
+          <p:grpSpPr>
+            <a:xfrm>
+              <a:off x="3265574" y="3710938"/>
+              <a:ext cx="1649811" cy="1027777"/>
+              <a:chOff x="1095938" y="2093401"/>
+              <a:chExt cx="1649811" cy="1027777"/>
+            </a:xfrm>
+          </p:grpSpPr>
+          <p:pic>
+            <p:nvPicPr>
+              <p:cNvPr id="35" name="Graphic 34">
+                <a:extLst>
+                  <a:ext uri="{FF2B5EF4-FFF2-40B4-BE49-F238E27FC236}">
+                    <a16:creationId xmlns:a16="http://schemas.microsoft.com/office/drawing/2014/main" id="{DDFC9EB5-1161-4F59-AB6D-0C382023DB34}"/>
+                  </a:ext>
+                </a:extLst>
+              </p:cNvPr>
+              <p:cNvPicPr>
+                <a:picLocks noChangeAspect="1"/>
+              </p:cNvPicPr>
+              <p:nvPr/>
+            </p:nvPicPr>
+            <p:blipFill>
+              <a:blip r:embed="rId11">
+                <a:extLst>
+                  <a:ext uri="{28A0092B-C50C-407E-A947-70E740481C1C}">
+                    <a14:useLocalDpi xmlns:a14="http://schemas.microsoft.com/office/drawing/2010/main" val="0"/>
+                  </a:ext>
+                  <a:ext uri="{96DAC541-7B7A-43D3-8B79-37D633B846F1}">
+                    <asvg:svgBlip xmlns:asvg="http://schemas.microsoft.com/office/drawing/2016/SVG/main" r:embed="rId12"/>
+                  </a:ext>
+                </a:extLst>
+              </a:blip>
+              <a:stretch>
+                <a:fillRect/>
+              </a:stretch>
+            </p:blipFill>
+            <p:spPr>
+              <a:xfrm>
+                <a:off x="1482879" y="2093401"/>
+                <a:ext cx="720000" cy="720000"/>
+              </a:xfrm>
+              <a:prstGeom prst="rect">
+                <a:avLst/>
+              </a:prstGeom>
+            </p:spPr>
+          </p:pic>
+          <p:sp>
+            <p:nvSpPr>
+              <p:cNvPr id="36" name="TextBox 35">
+                <a:extLst>
+                  <a:ext uri="{FF2B5EF4-FFF2-40B4-BE49-F238E27FC236}">
+                    <a16:creationId xmlns:a16="http://schemas.microsoft.com/office/drawing/2014/main" id="{C6714091-910A-4444-804E-7E67DE9F28C1}"/>
+                  </a:ext>
+                </a:extLst>
+              </p:cNvPr>
+              <p:cNvSpPr txBox="1"/>
+              <p:nvPr/>
+            </p:nvSpPr>
+            <p:spPr>
+              <a:xfrm>
+                <a:off x="1095938" y="2813401"/>
+                <a:ext cx="1649811" cy="307777"/>
+              </a:xfrm>
+              <a:prstGeom prst="rect">
+                <a:avLst/>
+              </a:prstGeom>
+              <a:noFill/>
+              <a:ln>
+                <a:noFill/>
+              </a:ln>
+            </p:spPr>
+            <p:txBody>
+              <a:bodyPr wrap="none" rtlCol="0">
+                <a:spAutoFit/>
+              </a:bodyPr>
+              <a:lstStyle/>
+              <a:p>
+                <a:r>
+                  <a:rPr lang="en-SG" sz="1400" dirty="0">
+                    <a:solidFill>
+                      <a:schemeClr val="bg1">
+                        <a:lumMod val="65000"/>
+                      </a:schemeClr>
+                    </a:solidFill>
+                    <a:latin typeface="IBM Plex Sans Light" panose="020B0403050203000203" pitchFamily="34" charset="0"/>
+                  </a:rPr>
+                  <a:t>Visual Recognition</a:t>
+                </a:r>
+              </a:p>
+            </p:txBody>
+          </p:sp>
+        </p:grpSp>
+        <p:grpSp>
+          <p:nvGrpSpPr>
+            <p:cNvPr id="9" name="Group 8">
+              <a:extLst>
+                <a:ext uri="{FF2B5EF4-FFF2-40B4-BE49-F238E27FC236}">
+                  <a16:creationId xmlns:a16="http://schemas.microsoft.com/office/drawing/2014/main" id="{CEC8B50A-CF72-4118-9931-F5EC3E2B270F}"/>
+                </a:ext>
+              </a:extLst>
+            </p:cNvPr>
+            <p:cNvGrpSpPr/>
+            <p:nvPr/>
+          </p:nvGrpSpPr>
+          <p:grpSpPr>
+            <a:xfrm>
+              <a:off x="4196322" y="4944826"/>
+              <a:ext cx="1335622" cy="1027777"/>
+              <a:chOff x="1175068" y="653401"/>
+              <a:chExt cx="1335622" cy="1027777"/>
+            </a:xfrm>
+          </p:grpSpPr>
+          <p:pic>
+            <p:nvPicPr>
+              <p:cNvPr id="29" name="Graphic 28">
+                <a:extLst>
+                  <a:ext uri="{FF2B5EF4-FFF2-40B4-BE49-F238E27FC236}">
+                    <a16:creationId xmlns:a16="http://schemas.microsoft.com/office/drawing/2014/main" id="{186FD7B4-2CAD-422D-B685-FF1A6576AD21}"/>
+                  </a:ext>
+                </a:extLst>
+              </p:cNvPr>
+              <p:cNvPicPr>
+                <a:picLocks noChangeAspect="1"/>
+              </p:cNvPicPr>
+              <p:nvPr/>
+            </p:nvPicPr>
+            <p:blipFill>
+              <a:blip r:embed="rId13">
+                <a:extLst>
+                  <a:ext uri="{28A0092B-C50C-407E-A947-70E740481C1C}">
+                    <a14:useLocalDpi xmlns:a14="http://schemas.microsoft.com/office/drawing/2010/main" val="0"/>
+                  </a:ext>
+                  <a:ext uri="{96DAC541-7B7A-43D3-8B79-37D633B846F1}">
+                    <asvg:svgBlip xmlns:asvg="http://schemas.microsoft.com/office/drawing/2016/SVG/main" r:embed="rId14"/>
+                  </a:ext>
+                </a:extLst>
+              </a:blip>
+              <a:stretch>
+                <a:fillRect/>
+              </a:stretch>
+            </p:blipFill>
+            <p:spPr>
+              <a:xfrm>
+                <a:off x="1482879" y="653401"/>
+                <a:ext cx="720000" cy="720000"/>
+              </a:xfrm>
+              <a:prstGeom prst="rect">
+                <a:avLst/>
+              </a:prstGeom>
+            </p:spPr>
+          </p:pic>
+          <p:sp>
+            <p:nvSpPr>
+              <p:cNvPr id="30" name="TextBox 29">
+                <a:extLst>
+                  <a:ext uri="{FF2B5EF4-FFF2-40B4-BE49-F238E27FC236}">
+                    <a16:creationId xmlns:a16="http://schemas.microsoft.com/office/drawing/2014/main" id="{7E109643-DD6A-45A6-9575-277C3CC26132}"/>
+                  </a:ext>
+                </a:extLst>
+              </p:cNvPr>
+              <p:cNvSpPr txBox="1"/>
+              <p:nvPr/>
+            </p:nvSpPr>
+            <p:spPr>
+              <a:xfrm>
+                <a:off x="1175068" y="1373401"/>
+                <a:ext cx="1335622" cy="307777"/>
+              </a:xfrm>
+              <a:prstGeom prst="rect">
+                <a:avLst/>
+              </a:prstGeom>
+              <a:noFill/>
+              <a:ln>
+                <a:noFill/>
+              </a:ln>
+            </p:spPr>
+            <p:txBody>
+              <a:bodyPr wrap="none" rtlCol="0">
+                <a:spAutoFit/>
+              </a:bodyPr>
+              <a:lstStyle/>
+              <a:p>
+                <a:r>
+                  <a:rPr lang="en-SG" sz="1400" dirty="0">
+                    <a:solidFill>
+                      <a:schemeClr val="bg1">
+                        <a:lumMod val="65000"/>
+                      </a:schemeClr>
+                    </a:solidFill>
+                    <a:latin typeface="IBM Plex Sans Light" panose="020B0403050203000203" pitchFamily="34" charset="0"/>
+                  </a:rPr>
+                  <a:t>Watson Studio</a:t>
+                </a:r>
+              </a:p>
+            </p:txBody>
+          </p:sp>
+        </p:grpSp>
+        <p:grpSp>
+          <p:nvGrpSpPr>
+            <p:cNvPr id="77" name="Group 76">
+              <a:extLst>
+                <a:ext uri="{FF2B5EF4-FFF2-40B4-BE49-F238E27FC236}">
+                  <a16:creationId xmlns:a16="http://schemas.microsoft.com/office/drawing/2014/main" id="{3BAECB95-72E5-498F-998C-D6CC3E9EC696}"/>
+                </a:ext>
+              </a:extLst>
+            </p:cNvPr>
+            <p:cNvGrpSpPr/>
+            <p:nvPr/>
+          </p:nvGrpSpPr>
+          <p:grpSpPr>
+            <a:xfrm>
+              <a:off x="4968890" y="3710938"/>
+              <a:ext cx="1582484" cy="1027777"/>
+              <a:chOff x="283231" y="1522657"/>
+              <a:chExt cx="1582484" cy="1027777"/>
+            </a:xfrm>
+          </p:grpSpPr>
+          <p:pic>
+            <p:nvPicPr>
+              <p:cNvPr id="78" name="Picture 65">
+                <a:extLst>
+                  <a:ext uri="{FF2B5EF4-FFF2-40B4-BE49-F238E27FC236}">
+                    <a16:creationId xmlns:a16="http://schemas.microsoft.com/office/drawing/2014/main" id="{56896315-2825-42D8-BCFD-6E3B02323A51}"/>
+                  </a:ext>
+                </a:extLst>
+              </p:cNvPr>
+              <p:cNvPicPr>
+                <a:picLocks noChangeAspect="1"/>
+              </p:cNvPicPr>
+              <p:nvPr/>
+            </p:nvPicPr>
+            <p:blipFill>
+              <a:blip r:embed="rId15">
+                <a:extLst>
+                  <a:ext uri="{28A0092B-C50C-407E-A947-70E740481C1C}">
+                    <a14:useLocalDpi xmlns:a14="http://schemas.microsoft.com/office/drawing/2010/main" val="0"/>
+                  </a:ext>
+                </a:extLst>
+              </a:blip>
+              <a:srcRect/>
+              <a:stretch/>
+            </p:blipFill>
+            <p:spPr>
+              <a:xfrm>
+                <a:off x="714473" y="1522657"/>
+                <a:ext cx="720000" cy="720000"/>
+              </a:xfrm>
+              <a:prstGeom prst="rect">
+                <a:avLst/>
+              </a:prstGeom>
+            </p:spPr>
+          </p:pic>
+          <p:sp>
+            <p:nvSpPr>
+              <p:cNvPr id="79" name="TextBox 78">
+                <a:extLst>
+                  <a:ext uri="{FF2B5EF4-FFF2-40B4-BE49-F238E27FC236}">
+                    <a16:creationId xmlns:a16="http://schemas.microsoft.com/office/drawing/2014/main" id="{E9FDD440-C3B3-4A3F-B305-7081F58AA1A8}"/>
+                  </a:ext>
+                </a:extLst>
+              </p:cNvPr>
+              <p:cNvSpPr txBox="1"/>
+              <p:nvPr/>
+            </p:nvSpPr>
+            <p:spPr>
+              <a:xfrm>
+                <a:off x="283231" y="2242657"/>
+                <a:ext cx="1582484" cy="307777"/>
+              </a:xfrm>
+              <a:prstGeom prst="rect">
+                <a:avLst/>
+              </a:prstGeom>
+              <a:noFill/>
+              <a:ln>
+                <a:noFill/>
+              </a:ln>
+            </p:spPr>
+            <p:txBody>
+              <a:bodyPr wrap="none" rtlCol="0">
+                <a:spAutoFit/>
+              </a:bodyPr>
+              <a:lstStyle/>
+              <a:p>
+                <a:r>
+                  <a:rPr lang="en-SG" sz="1400" dirty="0">
+                    <a:solidFill>
+                      <a:schemeClr val="bg1">
+                        <a:lumMod val="65000"/>
+                      </a:schemeClr>
+                    </a:solidFill>
+                    <a:latin typeface="IBM Plex Sans Light" panose="020B0403050203000203" pitchFamily="34" charset="0"/>
+                  </a:rPr>
+                  <a:t>Machine Learning</a:t>
+                </a:r>
+              </a:p>
+            </p:txBody>
+          </p:sp>
+        </p:grpSp>
+        <p:cxnSp>
+          <p:nvCxnSpPr>
+            <p:cNvPr id="109" name="Straight Arrow Connector 108">
+              <a:extLst>
+                <a:ext uri="{FF2B5EF4-FFF2-40B4-BE49-F238E27FC236}">
+                  <a16:creationId xmlns:a16="http://schemas.microsoft.com/office/drawing/2014/main" id="{261CF1A2-1244-4C70-ACA0-21CB34F53AD4}"/>
+                </a:ext>
+              </a:extLst>
+            </p:cNvPr>
+            <p:cNvCxnSpPr>
+              <a:stCxn id="78" idx="1"/>
+              <a:endCxn id="35" idx="3"/>
+            </p:cNvCxnSpPr>
+            <p:nvPr/>
+          </p:nvCxnSpPr>
+          <p:spPr>
+            <a:xfrm flipH="1">
+              <a:off x="4372515" y="4070938"/>
+              <a:ext cx="1027617" cy="0"/>
+            </a:xfrm>
+            <a:prstGeom prst="straightConnector1">
+              <a:avLst/>
+            </a:prstGeom>
+            <a:ln>
+              <a:headEnd type="triangle"/>
+              <a:tailEnd type="triangle"/>
+            </a:ln>
+          </p:spPr>
+          <p:style>
+            <a:lnRef idx="1">
+              <a:schemeClr val="accent1"/>
+            </a:lnRef>
+            <a:fillRef idx="0">
+              <a:schemeClr val="accent1"/>
+            </a:fillRef>
+            <a:effectRef idx="0">
+              <a:schemeClr val="accent1"/>
+            </a:effectRef>
+            <a:fontRef idx="minor">
+              <a:schemeClr val="tx1"/>
+            </a:fontRef>
+          </p:style>
+        </p:cxnSp>
+      </p:grpSp>
+      <p:grpSp>
+        <p:nvGrpSpPr>
+          <p:cNvPr id="125" name="Group 124">
+            <a:extLst>
+              <a:ext uri="{FF2B5EF4-FFF2-40B4-BE49-F238E27FC236}">
+                <a16:creationId xmlns:a16="http://schemas.microsoft.com/office/drawing/2014/main" id="{30D8A723-FBA3-470B-8879-7D7A17DE4116}"/>
+              </a:ext>
+            </a:extLst>
+          </p:cNvPr>
+          <p:cNvGrpSpPr/>
+          <p:nvPr/>
+        </p:nvGrpSpPr>
+        <p:grpSpPr>
+          <a:xfrm>
+            <a:off x="7757438" y="2028570"/>
+            <a:ext cx="3077920" cy="2710145"/>
+            <a:chOff x="7757438" y="2028570"/>
+            <a:chExt cx="3077920" cy="2710145"/>
+          </a:xfrm>
+        </p:grpSpPr>
+        <p:grpSp>
+          <p:nvGrpSpPr>
+            <p:cNvPr id="7" name="Group 6">
+              <a:extLst>
+                <a:ext uri="{FF2B5EF4-FFF2-40B4-BE49-F238E27FC236}">
+                  <a16:creationId xmlns:a16="http://schemas.microsoft.com/office/drawing/2014/main" id="{05F37328-CC30-4A47-86AB-8914C04CCC74}"/>
+                </a:ext>
+              </a:extLst>
+            </p:cNvPr>
+            <p:cNvGrpSpPr/>
+            <p:nvPr/>
+          </p:nvGrpSpPr>
+          <p:grpSpPr>
+            <a:xfrm>
+              <a:off x="9696864" y="2028570"/>
+              <a:ext cx="720153" cy="1023759"/>
+              <a:chOff x="3619500" y="653401"/>
+              <a:chExt cx="720153" cy="1023759"/>
+            </a:xfrm>
+          </p:grpSpPr>
+          <p:sp>
+            <p:nvSpPr>
+              <p:cNvPr id="33" name="TextBox 32">
+                <a:extLst>
+                  <a:ext uri="{FF2B5EF4-FFF2-40B4-BE49-F238E27FC236}">
+                    <a16:creationId xmlns:a16="http://schemas.microsoft.com/office/drawing/2014/main" id="{4464E69A-926A-4369-9897-410068843D41}"/>
+                  </a:ext>
+                </a:extLst>
+              </p:cNvPr>
+              <p:cNvSpPr txBox="1"/>
+              <p:nvPr/>
+            </p:nvSpPr>
+            <p:spPr>
+              <a:xfrm>
+                <a:off x="3703699" y="1369383"/>
+                <a:ext cx="551754" cy="307777"/>
+              </a:xfrm>
+              <a:prstGeom prst="rect">
+                <a:avLst/>
+              </a:prstGeom>
+              <a:noFill/>
+              <a:ln>
+                <a:noFill/>
+              </a:ln>
+            </p:spPr>
+            <p:txBody>
+              <a:bodyPr wrap="none" rtlCol="0">
+                <a:spAutoFit/>
+              </a:bodyPr>
+              <a:lstStyle/>
+              <a:p>
+                <a:r>
+                  <a:rPr lang="en-SG" sz="1400" dirty="0">
+                    <a:solidFill>
+                      <a:schemeClr val="bg1">
+                        <a:lumMod val="65000"/>
+                      </a:schemeClr>
+                    </a:solidFill>
+                    <a:latin typeface="IBM Plex Sans Light" panose="020B0403050203000203" pitchFamily="34" charset="0"/>
+                  </a:rPr>
+                  <a:t>User</a:t>
+                </a:r>
+              </a:p>
+            </p:txBody>
+          </p:sp>
+          <p:pic>
+            <p:nvPicPr>
+              <p:cNvPr id="34" name="Picture 33">
+                <a:extLst>
+                  <a:ext uri="{FF2B5EF4-FFF2-40B4-BE49-F238E27FC236}">
+                    <a16:creationId xmlns:a16="http://schemas.microsoft.com/office/drawing/2014/main" id="{61FFD321-3FA9-4CBB-90B1-92B593C83BBA}"/>
+                  </a:ext>
+                </a:extLst>
+              </p:cNvPr>
+              <p:cNvPicPr>
+                <a:picLocks noChangeAspect="1"/>
+              </p:cNvPicPr>
+              <p:nvPr/>
+            </p:nvPicPr>
+            <p:blipFill rotWithShape="1">
+              <a:blip r:embed="rId16">
+                <a:extLst>
+                  <a:ext uri="{BEBA8EAE-BF5A-486C-A8C5-ECC9F3942E4B}">
+                    <a14:imgProps xmlns:a14="http://schemas.microsoft.com/office/drawing/2010/main">
+                      <a14:imgLayer r:embed="rId17">
+                        <a14:imgEffect>
+                          <a14:backgroundRemoval t="40687" b="53085" l="8916" r="15555">
+                            <a14:foregroundMark x1="11610" y1="41153" x2="11610" y2="41153"/>
+                            <a14:foregroundMark x1="10840" y1="41560" x2="10840" y2="41560"/>
+                            <a14:foregroundMark x1="9557" y1="43364" x2="9557" y2="43364"/>
+                            <a14:foregroundMark x1="8916" y1="45984" x2="8916" y2="45984"/>
+                            <a14:foregroundMark x1="12155" y1="53143" x2="12155" y2="53143"/>
+                            <a14:foregroundMark x1="15555" y1="47905" x2="15555" y2="47905"/>
+                          </a14:backgroundRemoval>
+                        </a14:imgEffect>
+                      </a14:imgLayer>
+                    </a14:imgProps>
+                  </a:ext>
+                  <a:ext uri="{28A0092B-C50C-407E-A947-70E740481C1C}">
+                    <a14:useLocalDpi xmlns:a14="http://schemas.microsoft.com/office/drawing/2010/main" val="0"/>
+                  </a:ext>
+                </a:extLst>
+              </a:blip>
+              <a:srcRect l="8667" t="40761" r="84317" b="46509"/>
+              <a:stretch/>
+            </p:blipFill>
+            <p:spPr>
+              <a:xfrm>
+                <a:off x="3619500" y="653401"/>
+                <a:ext cx="720153" cy="720000"/>
+              </a:xfrm>
+              <a:prstGeom prst="rect">
+                <a:avLst/>
+              </a:prstGeom>
+            </p:spPr>
+          </p:pic>
+        </p:grpSp>
+        <p:grpSp>
+          <p:nvGrpSpPr>
+            <p:cNvPr id="90" name="Group 89">
+              <a:extLst>
+                <a:ext uri="{FF2B5EF4-FFF2-40B4-BE49-F238E27FC236}">
+                  <a16:creationId xmlns:a16="http://schemas.microsoft.com/office/drawing/2014/main" id="{D424AC7C-613A-4125-9AD7-7079E33282A3}"/>
+                </a:ext>
+              </a:extLst>
+            </p:cNvPr>
+            <p:cNvGrpSpPr/>
+            <p:nvPr/>
+          </p:nvGrpSpPr>
+          <p:grpSpPr>
+            <a:xfrm>
+              <a:off x="9278522" y="3719520"/>
+              <a:ext cx="1556836" cy="1019195"/>
+              <a:chOff x="1064459" y="3533401"/>
+              <a:chExt cx="1556836" cy="1019195"/>
+            </a:xfrm>
+          </p:grpSpPr>
+          <p:sp>
+            <p:nvSpPr>
+              <p:cNvPr id="91" name="TextBox 90">
+                <a:extLst>
+                  <a:ext uri="{FF2B5EF4-FFF2-40B4-BE49-F238E27FC236}">
+                    <a16:creationId xmlns:a16="http://schemas.microsoft.com/office/drawing/2014/main" id="{226630D7-EF71-4C3A-91AD-5816C8DB4F44}"/>
+                  </a:ext>
+                </a:extLst>
+              </p:cNvPr>
+              <p:cNvSpPr txBox="1"/>
+              <p:nvPr/>
+            </p:nvSpPr>
+            <p:spPr>
+              <a:xfrm>
+                <a:off x="1064459" y="4244819"/>
+                <a:ext cx="1556836" cy="307777"/>
+              </a:xfrm>
+              <a:prstGeom prst="rect">
+                <a:avLst/>
+              </a:prstGeom>
+              <a:noFill/>
+              <a:ln>
+                <a:noFill/>
+              </a:ln>
+            </p:spPr>
+            <p:txBody>
+              <a:bodyPr wrap="none" rtlCol="0">
+                <a:spAutoFit/>
+              </a:bodyPr>
+              <a:lstStyle/>
+              <a:p>
+                <a:r>
+                  <a:rPr lang="en-SG" sz="1400" dirty="0">
+                    <a:solidFill>
+                      <a:schemeClr val="bg1">
+                        <a:lumMod val="65000"/>
+                      </a:schemeClr>
+                    </a:solidFill>
+                    <a:latin typeface="IBM Plex Sans Light" panose="020B0403050203000203" pitchFamily="34" charset="0"/>
+                  </a:rPr>
+                  <a:t>IBM IoT Platform</a:t>
+                </a:r>
+              </a:p>
+            </p:txBody>
+          </p:sp>
+          <p:pic>
+            <p:nvPicPr>
+              <p:cNvPr id="92" name="Picture 91">
+                <a:extLst>
+                  <a:ext uri="{FF2B5EF4-FFF2-40B4-BE49-F238E27FC236}">
+                    <a16:creationId xmlns:a16="http://schemas.microsoft.com/office/drawing/2014/main" id="{BD1FF1D0-EF85-43AA-A51F-010AD8B28CC0}"/>
+                  </a:ext>
+                </a:extLst>
+              </p:cNvPr>
+              <p:cNvPicPr>
+                <a:picLocks noChangeAspect="1"/>
+              </p:cNvPicPr>
+              <p:nvPr/>
+            </p:nvPicPr>
+            <p:blipFill>
+              <a:blip r:embed="rId3">
+                <a:extLst>
+                  <a:ext uri="{28A0092B-C50C-407E-A947-70E740481C1C}">
+                    <a14:useLocalDpi xmlns:a14="http://schemas.microsoft.com/office/drawing/2010/main" val="0"/>
+                  </a:ext>
+                </a:extLst>
+              </a:blip>
+              <a:stretch>
+                <a:fillRect/>
+              </a:stretch>
+            </p:blipFill>
+            <p:spPr>
+              <a:xfrm>
+                <a:off x="1482879" y="3533401"/>
+                <a:ext cx="720000" cy="720000"/>
+              </a:xfrm>
+              <a:prstGeom prst="rect">
+                <a:avLst/>
+              </a:prstGeom>
+            </p:spPr>
+          </p:pic>
+        </p:grpSp>
+        <p:cxnSp>
+          <p:nvCxnSpPr>
+            <p:cNvPr id="111" name="Straight Arrow Connector 110">
+              <a:extLst>
+                <a:ext uri="{FF2B5EF4-FFF2-40B4-BE49-F238E27FC236}">
+                  <a16:creationId xmlns:a16="http://schemas.microsoft.com/office/drawing/2014/main" id="{C768D214-E5E5-48AE-B4DB-E8FD8D7DB0E7}"/>
+                </a:ext>
+              </a:extLst>
+            </p:cNvPr>
+            <p:cNvCxnSpPr>
+              <a:stCxn id="27" idx="3"/>
+              <a:endCxn id="34" idx="1"/>
+            </p:cNvCxnSpPr>
+            <p:nvPr/>
+          </p:nvCxnSpPr>
+          <p:spPr>
+            <a:xfrm>
+              <a:off x="7757438" y="2388570"/>
+              <a:ext cx="1939426" cy="0"/>
+            </a:xfrm>
+            <a:prstGeom prst="straightConnector1">
+              <a:avLst/>
+            </a:prstGeom>
+            <a:ln>
+              <a:tailEnd type="triangle"/>
+            </a:ln>
+          </p:spPr>
+          <p:style>
+            <a:lnRef idx="1">
+              <a:schemeClr val="accent1"/>
+            </a:lnRef>
+            <a:fillRef idx="0">
+              <a:schemeClr val="accent1"/>
+            </a:fillRef>
+            <a:effectRef idx="0">
+              <a:schemeClr val="accent1"/>
+            </a:effectRef>
+            <a:fontRef idx="minor">
+              <a:schemeClr val="tx1"/>
+            </a:fontRef>
+          </p:style>
+        </p:cxnSp>
+        <p:cxnSp>
+          <p:nvCxnSpPr>
+            <p:cNvPr id="113" name="Straight Arrow Connector 112">
+              <a:extLst>
+                <a:ext uri="{FF2B5EF4-FFF2-40B4-BE49-F238E27FC236}">
+                  <a16:creationId xmlns:a16="http://schemas.microsoft.com/office/drawing/2014/main" id="{231929EC-672D-45CD-94B1-750982C82B2E}"/>
+                </a:ext>
+              </a:extLst>
+            </p:cNvPr>
+            <p:cNvCxnSpPr>
+              <a:stCxn id="27" idx="3"/>
+              <a:endCxn id="92" idx="1"/>
+            </p:cNvCxnSpPr>
+            <p:nvPr/>
+          </p:nvCxnSpPr>
+          <p:spPr>
+            <a:xfrm>
+              <a:off x="7757438" y="2388570"/>
+              <a:ext cx="1939504" cy="1690950"/>
+            </a:xfrm>
+            <a:prstGeom prst="straightConnector1">
+              <a:avLst/>
+            </a:prstGeom>
+            <a:ln>
+              <a:tailEnd type="triangle"/>
+            </a:ln>
+          </p:spPr>
+          <p:style>
+            <a:lnRef idx="1">
+              <a:schemeClr val="accent1"/>
+            </a:lnRef>
+            <a:fillRef idx="0">
+              <a:schemeClr val="accent1"/>
+            </a:fillRef>
+            <a:effectRef idx="0">
+              <a:schemeClr val="accent1"/>
+            </a:effectRef>
+            <a:fontRef idx="minor">
+              <a:schemeClr val="tx1"/>
+            </a:fontRef>
+          </p:style>
+        </p:cxnSp>
+        <p:cxnSp>
+          <p:nvCxnSpPr>
+            <p:cNvPr id="117" name="Straight Arrow Connector 116">
+              <a:extLst>
+                <a:ext uri="{FF2B5EF4-FFF2-40B4-BE49-F238E27FC236}">
+                  <a16:creationId xmlns:a16="http://schemas.microsoft.com/office/drawing/2014/main" id="{2257AF7E-6EDA-4D7B-88CE-41329EC9EAB8}"/>
+                </a:ext>
+              </a:extLst>
+            </p:cNvPr>
+            <p:cNvCxnSpPr>
+              <a:stCxn id="92" idx="0"/>
+              <a:endCxn id="33" idx="2"/>
+            </p:cNvCxnSpPr>
+            <p:nvPr/>
+          </p:nvCxnSpPr>
+          <p:spPr>
+            <a:xfrm flipH="1" flipV="1">
+              <a:off x="10056940" y="3052329"/>
+              <a:ext cx="2" cy="667191"/>
+            </a:xfrm>
+            <a:prstGeom prst="straightConnector1">
+              <a:avLst/>
+            </a:prstGeom>
+            <a:ln>
+              <a:headEnd type="triangle"/>
+              <a:tailEnd type="triangle"/>
+            </a:ln>
+          </p:spPr>
+          <p:style>
+            <a:lnRef idx="1">
+              <a:schemeClr val="accent1"/>
+            </a:lnRef>
+            <a:fillRef idx="0">
+              <a:schemeClr val="accent1"/>
+            </a:fillRef>
+            <a:effectRef idx="0">
+              <a:schemeClr val="accent1"/>
+            </a:effectRef>
+            <a:fontRef idx="minor">
+              <a:schemeClr val="tx1"/>
+            </a:fontRef>
+          </p:style>
+        </p:cxnSp>
+      </p:grpSp>
+    </p:spTree>
+    <p:extLst>
+      <p:ext uri="{BB962C8B-B14F-4D97-AF65-F5344CB8AC3E}">
+        <p14:creationId xmlns:p14="http://schemas.microsoft.com/office/powerpoint/2010/main" val="1709825441"/>
+      </p:ext>
+    </p:extLst>
+  </p:cSld>
+  <p:clrMapOvr>
+    <a:masterClrMapping/>
+  </p:clrMapOvr>
+  <mc:AlternateContent xmlns:mc="http://schemas.openxmlformats.org/markup-compatibility/2006">
+    <mc:Choice xmlns:p14="http://schemas.microsoft.com/office/powerpoint/2010/main" Requires="p14">
+      <p:transition spd="med" p14:dur="700">
+        <p:fade/>
+      </p:transition>
+    </mc:Choice>
+    <mc:Fallback>
+      <p:transition spd="med">
+        <p:fade/>
+      </p:transition>
+    </mc:Fallback>
+  </mc:AlternateContent>
+  <p:timing>
+    <p:tnLst>
+      <p:par>
+        <p:cTn id="1" dur="indefinite" restart="never" nodeType="tmRoot">
+          <p:childTnLst>
+            <p:seq concurrent="1" nextAc="seek">
+              <p:cTn id="2" dur="indefinite" nodeType="mainSeq">
+                <p:childTnLst>
+                  <p:par>
+                    <p:cTn id="3" fill="hold">
+                      <p:stCondLst>
+                        <p:cond delay="indefinite"/>
+                      </p:stCondLst>
+                      <p:childTnLst>
+                        <p:par>
+                          <p:cTn id="4" fill="hold">
+                            <p:stCondLst>
+                              <p:cond delay="0"/>
+                            </p:stCondLst>
+                            <p:childTnLst>
+                              <p:par>
+                                <p:cTn id="5" presetID="22" presetClass="entr" presetSubtype="8" fill="hold" nodeType="clickEffect">
+                                  <p:stCondLst>
+                                    <p:cond delay="0"/>
+                                  </p:stCondLst>
+                                  <p:childTnLst>
+                                    <p:set>
+                                      <p:cBhvr>
+                                        <p:cTn id="6" dur="1" fill="hold">
+                                          <p:stCondLst>
+                                            <p:cond delay="0"/>
+                                          </p:stCondLst>
+                                        </p:cTn>
+                                        <p:tgtEl>
+                                          <p:spTgt spid="123"/>
+                                        </p:tgtEl>
+                                        <p:attrNameLst>
+                                          <p:attrName>style.visibility</p:attrName>
+                                        </p:attrNameLst>
+                                      </p:cBhvr>
+                                      <p:to>
+                                        <p:strVal val="visible"/>
+                                      </p:to>
+                                    </p:set>
+                                    <p:animEffect transition="in" filter="wipe(left)">
+                                      <p:cBhvr>
+                                        <p:cTn id="7" dur="500"/>
+                                        <p:tgtEl>
+                                          <p:spTgt spid="123"/>
+                                        </p:tgtEl>
+                                      </p:cBhvr>
+                                    </p:animEffect>
+                                  </p:childTnLst>
+                                </p:cTn>
+                              </p:par>
+                            </p:childTnLst>
+                          </p:cTn>
+                        </p:par>
+                      </p:childTnLst>
+                    </p:cTn>
+                  </p:par>
+                  <p:par>
+                    <p:cTn id="8" fill="hold">
+                      <p:stCondLst>
+                        <p:cond delay="indefinite"/>
+                      </p:stCondLst>
+                      <p:childTnLst>
+                        <p:par>
+                          <p:cTn id="9" fill="hold">
+                            <p:stCondLst>
+                              <p:cond delay="0"/>
+                            </p:stCondLst>
+                            <p:childTnLst>
+                              <p:par>
+                                <p:cTn id="10" presetID="22" presetClass="entr" presetSubtype="8" fill="hold" nodeType="clickEffect">
+                                  <p:stCondLst>
+                                    <p:cond delay="0"/>
+                                  </p:stCondLst>
+                                  <p:childTnLst>
+                                    <p:set>
+                                      <p:cBhvr>
+                                        <p:cTn id="11" dur="1" fill="hold">
+                                          <p:stCondLst>
+                                            <p:cond delay="0"/>
+                                          </p:stCondLst>
+                                        </p:cTn>
+                                        <p:tgtEl>
+                                          <p:spTgt spid="125"/>
+                                        </p:tgtEl>
+                                        <p:attrNameLst>
+                                          <p:attrName>style.visibility</p:attrName>
+                                        </p:attrNameLst>
+                                      </p:cBhvr>
+                                      <p:to>
+                                        <p:strVal val="visible"/>
+                                      </p:to>
+                                    </p:set>
+                                    <p:animEffect transition="in" filter="wipe(left)">
+                                      <p:cBhvr>
+                                        <p:cTn id="12" dur="500"/>
+                                        <p:tgtEl>
+                                          <p:spTgt spid="125"/>
+                                        </p:tgtEl>
+                                      </p:cBhvr>
+                                    </p:animEffect>
+                                  </p:childTnLst>
+                                </p:cTn>
+                              </p:par>
+                            </p:childTnLst>
+                          </p:cTn>
+                        </p:par>
+                      </p:childTnLst>
+                    </p:cTn>
+                  </p:par>
+                </p:childTnLst>
+              </p:cTn>
+              <p:prevCondLst>
+                <p:cond evt="onPrev" delay="0">
+                  <p:tgtEl>
+                    <p:sldTgt/>
+                  </p:tgtEl>
+                </p:cond>
+              </p:prevCondLst>
+              <p:nextCondLst>
+                <p:cond evt="onNext" delay="0">
+                  <p:tgtEl>
+                    <p:sldTgt/>
+                  </p:tgtEl>
+                </p:cond>
+              </p:nextCondLst>
+            </p:seq>
+          </p:childTnLst>
+        </p:cTn>
+      </p:par>
+    </p:tnLst>
+  </p:timing>
+</p:sld>
+</file>
+
+<file path=ppt/slides/slide4.xml><?xml version="1.0" encoding="utf-8"?>
+<p:sld xmlns:a="http://schemas.openxmlformats.org/drawingml/2006/main" xmlns:r="http://schemas.openxmlformats.org/officeDocument/2006/relationships" xmlns:p="http://schemas.openxmlformats.org/presentationml/2006/main">
+  <p:cSld>
+    <p:spTree>
+      <p:nvGrpSpPr>
+        <p:cNvPr id="1" name=""/>
+        <p:cNvGrpSpPr/>
+        <p:nvPr/>
+      </p:nvGrpSpPr>
+      <p:grpSpPr>
+        <a:xfrm>
+          <a:off x="0" y="0"/>
+          <a:ext cx="0" cy="0"/>
+          <a:chOff x="0" y="0"/>
+          <a:chExt cx="0" cy="0"/>
+        </a:xfrm>
+      </p:grpSpPr>
+      <p:pic>
+        <p:nvPicPr>
+          <p:cNvPr id="8" name="Graphic 7">
+            <a:extLst>
+              <a:ext uri="{FF2B5EF4-FFF2-40B4-BE49-F238E27FC236}">
+                <a16:creationId xmlns:a16="http://schemas.microsoft.com/office/drawing/2014/main" id="{8EF4C3E5-B351-4BD6-B131-4DE780D73769}"/>
+              </a:ext>
+            </a:extLst>
+          </p:cNvPr>
+          <p:cNvPicPr>
+            <a:picLocks noChangeAspect="1"/>
+          </p:cNvPicPr>
+          <p:nvPr/>
+        </p:nvPicPr>
+        <p:blipFill>
+          <a:blip r:embed="rId2">
+            <a:extLst>
+              <a:ext uri="{28A0092B-C50C-407E-A947-70E740481C1C}">
+                <a14:useLocalDpi xmlns:a14="http://schemas.microsoft.com/office/drawing/2010/main" val="0"/>
+              </a:ext>
+              <a:ext uri="{96DAC541-7B7A-43D3-8B79-37D633B846F1}">
+                <asvg:svgBlip xmlns:asvg="http://schemas.microsoft.com/office/drawing/2016/SVG/main" r:embed="rId3"/>
+              </a:ext>
+            </a:extLst>
+          </a:blip>
+          <a:stretch>
+            <a:fillRect/>
+          </a:stretch>
+        </p:blipFill>
+        <p:spPr>
+          <a:xfrm>
+            <a:off x="1469927" y="769038"/>
+            <a:ext cx="2160000" cy="2236595"/>
+          </a:xfrm>
+          <a:prstGeom prst="rect">
+            <a:avLst/>
+          </a:prstGeom>
+        </p:spPr>
+      </p:pic>
+      <p:pic>
+        <p:nvPicPr>
+          <p:cNvPr id="10" name="Graphic 9">
+            <a:extLst>
+              <a:ext uri="{FF2B5EF4-FFF2-40B4-BE49-F238E27FC236}">
+                <a16:creationId xmlns:a16="http://schemas.microsoft.com/office/drawing/2014/main" id="{72BF9768-D635-4CB0-819A-96FE6FE9E13F}"/>
+              </a:ext>
+            </a:extLst>
+          </p:cNvPr>
+          <p:cNvPicPr>
+            <a:picLocks noChangeAspect="1"/>
+          </p:cNvPicPr>
+          <p:nvPr/>
+        </p:nvPicPr>
+        <p:blipFill>
+          <a:blip r:embed="rId4">
+            <a:extLst>
+              <a:ext uri="{28A0092B-C50C-407E-A947-70E740481C1C}">
+                <a14:useLocalDpi xmlns:a14="http://schemas.microsoft.com/office/drawing/2010/main" val="0"/>
+              </a:ext>
+              <a:ext uri="{96DAC541-7B7A-43D3-8B79-37D633B846F1}">
+                <asvg:svgBlip xmlns:asvg="http://schemas.microsoft.com/office/drawing/2016/SVG/main" r:embed="rId5"/>
+              </a:ext>
+            </a:extLst>
+          </a:blip>
+          <a:stretch>
+            <a:fillRect/>
+          </a:stretch>
+        </p:blipFill>
+        <p:spPr>
+          <a:xfrm>
+            <a:off x="5034000" y="807336"/>
+            <a:ext cx="2160000" cy="2160000"/>
+          </a:xfrm>
+          <a:prstGeom prst="rect">
+            <a:avLst/>
+          </a:prstGeom>
+        </p:spPr>
+      </p:pic>
+      <p:pic>
+        <p:nvPicPr>
+          <p:cNvPr id="12" name="Graphic 11">
+            <a:extLst>
+              <a:ext uri="{FF2B5EF4-FFF2-40B4-BE49-F238E27FC236}">
+                <a16:creationId xmlns:a16="http://schemas.microsoft.com/office/drawing/2014/main" id="{0AFA399D-650E-42EA-95F6-3AC211E6C590}"/>
+              </a:ext>
+            </a:extLst>
+          </p:cNvPr>
+          <p:cNvPicPr>
+            <a:picLocks noChangeAspect="1"/>
+          </p:cNvPicPr>
+          <p:nvPr/>
+        </p:nvPicPr>
+        <p:blipFill>
+          <a:blip r:embed="rId6">
+            <a:extLst>
+              <a:ext uri="{28A0092B-C50C-407E-A947-70E740481C1C}">
+                <a14:useLocalDpi xmlns:a14="http://schemas.microsoft.com/office/drawing/2010/main" val="0"/>
+              </a:ext>
+              <a:ext uri="{96DAC541-7B7A-43D3-8B79-37D633B846F1}">
+                <asvg:svgBlip xmlns:asvg="http://schemas.microsoft.com/office/drawing/2016/SVG/main" r:embed="rId7"/>
+              </a:ext>
+            </a:extLst>
+          </a:blip>
+          <a:stretch>
+            <a:fillRect/>
+          </a:stretch>
+        </p:blipFill>
+        <p:spPr>
+          <a:xfrm>
+            <a:off x="8634073" y="843335"/>
+            <a:ext cx="2088000" cy="2088000"/>
+          </a:xfrm>
+          <a:prstGeom prst="rect">
+            <a:avLst/>
+          </a:prstGeom>
+        </p:spPr>
+      </p:pic>
+      <p:sp>
+        <p:nvSpPr>
+          <p:cNvPr id="13" name="TextBox 12">
+            <a:extLst>
+              <a:ext uri="{FF2B5EF4-FFF2-40B4-BE49-F238E27FC236}">
+                <a16:creationId xmlns:a16="http://schemas.microsoft.com/office/drawing/2014/main" id="{37EB29B5-E435-4C04-8C4F-BECFB219EEF5}"/>
+              </a:ext>
+            </a:extLst>
+          </p:cNvPr>
+          <p:cNvSpPr txBox="1"/>
+          <p:nvPr/>
+        </p:nvSpPr>
+        <p:spPr>
+          <a:xfrm>
+            <a:off x="1944633" y="2967335"/>
+            <a:ext cx="1210588" cy="461665"/>
+          </a:xfrm>
+          <a:prstGeom prst="rect">
+            <a:avLst/>
+          </a:prstGeom>
+          <a:noFill/>
+        </p:spPr>
+        <p:txBody>
+          <a:bodyPr wrap="none" rtlCol="0">
+            <a:spAutoFit/>
+          </a:bodyPr>
+          <a:lstStyle/>
+          <a:p>
+            <a:r>
+              <a:rPr lang="en-SG" sz="2400" dirty="0">
+                <a:latin typeface="IBM Plex Sans Light" panose="020B0403050203000203" pitchFamily="34" charset="0"/>
+              </a:rPr>
+              <a:t>Current</a:t>
+            </a:r>
+            <a:endParaRPr lang="en-SG" dirty="0">
+              <a:latin typeface="IBM Plex Sans Light" panose="020B0403050203000203" pitchFamily="34" charset="0"/>
+            </a:endParaRPr>
+          </a:p>
+        </p:txBody>
+      </p:sp>
+      <p:sp>
+        <p:nvSpPr>
+          <p:cNvPr id="14" name="TextBox 13">
+            <a:extLst>
+              <a:ext uri="{FF2B5EF4-FFF2-40B4-BE49-F238E27FC236}">
+                <a16:creationId xmlns:a16="http://schemas.microsoft.com/office/drawing/2014/main" id="{4C778224-2406-42AA-B5A0-5195E0AFB6A9}"/>
+              </a:ext>
+            </a:extLst>
+          </p:cNvPr>
+          <p:cNvSpPr txBox="1"/>
+          <p:nvPr/>
+        </p:nvSpPr>
+        <p:spPr>
+          <a:xfrm>
+            <a:off x="5259439" y="2967334"/>
+            <a:ext cx="1709122" cy="461665"/>
+          </a:xfrm>
+          <a:prstGeom prst="rect">
+            <a:avLst/>
+          </a:prstGeom>
+          <a:noFill/>
+        </p:spPr>
+        <p:txBody>
+          <a:bodyPr wrap="none" rtlCol="0">
+            <a:spAutoFit/>
+          </a:bodyPr>
+          <a:lstStyle/>
+          <a:p>
+            <a:r>
+              <a:rPr lang="en-SG" sz="2400" dirty="0">
+                <a:latin typeface="IBM Plex Sans Light" panose="020B0403050203000203" pitchFamily="34" charset="0"/>
+              </a:rPr>
+              <a:t>Short Term</a:t>
+            </a:r>
+            <a:endParaRPr lang="en-SG" dirty="0">
+              <a:latin typeface="IBM Plex Sans Light" panose="020B0403050203000203" pitchFamily="34" charset="0"/>
+            </a:endParaRPr>
+          </a:p>
+        </p:txBody>
+      </p:sp>
+      <p:sp>
+        <p:nvSpPr>
+          <p:cNvPr id="15" name="TextBox 14">
+            <a:extLst>
+              <a:ext uri="{FF2B5EF4-FFF2-40B4-BE49-F238E27FC236}">
+                <a16:creationId xmlns:a16="http://schemas.microsoft.com/office/drawing/2014/main" id="{857B0C58-A6C6-4C56-995E-C6A3D07BA6FC}"/>
+              </a:ext>
+            </a:extLst>
+          </p:cNvPr>
+          <p:cNvSpPr txBox="1"/>
+          <p:nvPr/>
+        </p:nvSpPr>
+        <p:spPr>
+          <a:xfrm>
+            <a:off x="8860381" y="2954435"/>
+            <a:ext cx="1635384" cy="461665"/>
+          </a:xfrm>
+          <a:prstGeom prst="rect">
+            <a:avLst/>
+          </a:prstGeom>
+          <a:noFill/>
+        </p:spPr>
+        <p:txBody>
+          <a:bodyPr wrap="none" rtlCol="0">
+            <a:spAutoFit/>
+          </a:bodyPr>
+          <a:lstStyle/>
+          <a:p>
+            <a:r>
+              <a:rPr lang="en-SG" sz="2400" dirty="0">
+                <a:latin typeface="IBM Plex Sans Light" panose="020B0403050203000203" pitchFamily="34" charset="0"/>
+              </a:rPr>
+              <a:t>Long Term</a:t>
+            </a:r>
+            <a:endParaRPr lang="en-SG" dirty="0">
+              <a:latin typeface="IBM Plex Sans Light" panose="020B0403050203000203" pitchFamily="34" charset="0"/>
+            </a:endParaRPr>
+          </a:p>
+        </p:txBody>
+      </p:sp>
+      <p:sp>
+        <p:nvSpPr>
+          <p:cNvPr id="17" name="TextBox 16">
+            <a:extLst>
+              <a:ext uri="{FF2B5EF4-FFF2-40B4-BE49-F238E27FC236}">
+                <a16:creationId xmlns:a16="http://schemas.microsoft.com/office/drawing/2014/main" id="{697C7B2B-9156-4DC3-B0E0-72D81B4D3737}"/>
+              </a:ext>
+            </a:extLst>
+          </p:cNvPr>
+          <p:cNvSpPr txBox="1"/>
+          <p:nvPr/>
+        </p:nvSpPr>
+        <p:spPr>
+          <a:xfrm>
+            <a:off x="1344148" y="3416100"/>
+            <a:ext cx="1200970" cy="338554"/>
+          </a:xfrm>
+          <a:prstGeom prst="rect">
+            <a:avLst/>
+          </a:prstGeom>
+          <a:noFill/>
+        </p:spPr>
+        <p:txBody>
+          <a:bodyPr wrap="none" rtlCol="0">
+            <a:spAutoFit/>
+          </a:bodyPr>
+          <a:lstStyle/>
+          <a:p>
+            <a:pPr marL="285750" indent="-285750">
+              <a:buFont typeface="Arial" panose="020B0604020202020204" pitchFamily="34" charset="0"/>
+              <a:buChar char="•"/>
+            </a:pPr>
+            <a:r>
+              <a:rPr lang="en-SG" sz="1600" dirty="0">
+                <a:latin typeface="IBM Plex Sans" panose="020B0503050203000203" pitchFamily="34" charset="0"/>
+              </a:rPr>
+              <a:t>Gathers</a:t>
+            </a:r>
+          </a:p>
+        </p:txBody>
+      </p:sp>
+    </p:spTree>
+    <p:extLst>
+      <p:ext uri="{BB962C8B-B14F-4D97-AF65-F5344CB8AC3E}">
+        <p14:creationId xmlns:p14="http://schemas.microsoft.com/office/powerpoint/2010/main" val="319473214"/>
       </p:ext>
     </p:extLst>
   </p:cSld>

--- a/assets/graphics.pptx
+++ b/assets/graphics.pptx
@@ -8965,13 +8965,13 @@
   <p:clrMapOvr>
     <a:masterClrMapping/>
   </p:clrMapOvr>
-  <mc:AlternateContent xmlns:mc="http://schemas.openxmlformats.org/markup-compatibility/2006">
-    <mc:Choice xmlns:p14="http://schemas.microsoft.com/office/powerpoint/2010/main" Requires="p14">
+  <mc:AlternateContent xmlns:mc="http://schemas.openxmlformats.org/markup-compatibility/2006" xmlns:p14="http://schemas.microsoft.com/office/powerpoint/2010/main">
+    <mc:Choice Requires="p14">
       <p:transition spd="med" p14:dur="700">
         <p:fade/>
       </p:transition>
     </mc:Choice>
-    <mc:Fallback>
+    <mc:Fallback xmlns="">
       <p:transition spd="med">
         <p:fade/>
       </p:transition>
@@ -9133,284 +9133,510 @@
           <a:chExt cx="0" cy="0"/>
         </a:xfrm>
       </p:grpSpPr>
-      <p:pic>
-        <p:nvPicPr>
-          <p:cNvPr id="8" name="Graphic 7">
+      <p:grpSp>
+        <p:nvGrpSpPr>
+          <p:cNvPr id="5" name="Group 4">
             <a:extLst>
               <a:ext uri="{FF2B5EF4-FFF2-40B4-BE49-F238E27FC236}">
-                <a16:creationId xmlns:a16="http://schemas.microsoft.com/office/drawing/2014/main" id="{8EF4C3E5-B351-4BD6-B131-4DE780D73769}"/>
+                <a16:creationId xmlns:a16="http://schemas.microsoft.com/office/drawing/2014/main" id="{7BC48EB7-9D1F-4ABC-9B76-F81AD4307C03}"/>
               </a:ext>
             </a:extLst>
           </p:cNvPr>
-          <p:cNvPicPr>
-            <a:picLocks noChangeAspect="1"/>
-          </p:cNvPicPr>
+          <p:cNvGrpSpPr/>
           <p:nvPr/>
-        </p:nvPicPr>
-        <p:blipFill>
-          <a:blip r:embed="rId2">
-            <a:extLst>
-              <a:ext uri="{28A0092B-C50C-407E-A947-70E740481C1C}">
-                <a14:useLocalDpi xmlns:a14="http://schemas.microsoft.com/office/drawing/2010/main" val="0"/>
-              </a:ext>
-              <a:ext uri="{96DAC541-7B7A-43D3-8B79-37D633B846F1}">
-                <asvg:svgBlip xmlns:asvg="http://schemas.microsoft.com/office/drawing/2016/SVG/main" r:embed="rId3"/>
-              </a:ext>
-            </a:extLst>
-          </a:blip>
-          <a:stretch>
-            <a:fillRect/>
-          </a:stretch>
-        </p:blipFill>
-        <p:spPr>
+        </p:nvGrpSpPr>
+        <p:grpSpPr>
           <a:xfrm>
-            <a:off x="1469927" y="769038"/>
-            <a:ext cx="2160000" cy="2236595"/>
+            <a:off x="545606" y="788187"/>
+            <a:ext cx="10903709" cy="4126389"/>
+            <a:chOff x="545606" y="788187"/>
+            <a:chExt cx="10903709" cy="4126389"/>
           </a:xfrm>
-          <a:prstGeom prst="rect">
-            <a:avLst/>
-          </a:prstGeom>
-        </p:spPr>
-      </p:pic>
-      <p:pic>
-        <p:nvPicPr>
-          <p:cNvPr id="10" name="Graphic 9">
-            <a:extLst>
-              <a:ext uri="{FF2B5EF4-FFF2-40B4-BE49-F238E27FC236}">
-                <a16:creationId xmlns:a16="http://schemas.microsoft.com/office/drawing/2014/main" id="{72BF9768-D635-4CB0-819A-96FE6FE9E13F}"/>
-              </a:ext>
-            </a:extLst>
-          </p:cNvPr>
-          <p:cNvPicPr>
-            <a:picLocks noChangeAspect="1"/>
-          </p:cNvPicPr>
-          <p:nvPr/>
-        </p:nvPicPr>
-        <p:blipFill>
-          <a:blip r:embed="rId4">
-            <a:extLst>
-              <a:ext uri="{28A0092B-C50C-407E-A947-70E740481C1C}">
-                <a14:useLocalDpi xmlns:a14="http://schemas.microsoft.com/office/drawing/2010/main" val="0"/>
-              </a:ext>
-              <a:ext uri="{96DAC541-7B7A-43D3-8B79-37D633B846F1}">
-                <asvg:svgBlip xmlns:asvg="http://schemas.microsoft.com/office/drawing/2016/SVG/main" r:embed="rId5"/>
-              </a:ext>
-            </a:extLst>
-          </a:blip>
-          <a:stretch>
-            <a:fillRect/>
-          </a:stretch>
-        </p:blipFill>
-        <p:spPr>
-          <a:xfrm>
-            <a:off x="5034000" y="807336"/>
-            <a:ext cx="2160000" cy="2160000"/>
-          </a:xfrm>
-          <a:prstGeom prst="rect">
-            <a:avLst/>
-          </a:prstGeom>
-        </p:spPr>
-      </p:pic>
-      <p:pic>
-        <p:nvPicPr>
-          <p:cNvPr id="12" name="Graphic 11">
-            <a:extLst>
-              <a:ext uri="{FF2B5EF4-FFF2-40B4-BE49-F238E27FC236}">
-                <a16:creationId xmlns:a16="http://schemas.microsoft.com/office/drawing/2014/main" id="{0AFA399D-650E-42EA-95F6-3AC211E6C590}"/>
-              </a:ext>
-            </a:extLst>
-          </p:cNvPr>
-          <p:cNvPicPr>
-            <a:picLocks noChangeAspect="1"/>
-          </p:cNvPicPr>
-          <p:nvPr/>
-        </p:nvPicPr>
-        <p:blipFill>
-          <a:blip r:embed="rId6">
-            <a:extLst>
-              <a:ext uri="{28A0092B-C50C-407E-A947-70E740481C1C}">
-                <a14:useLocalDpi xmlns:a14="http://schemas.microsoft.com/office/drawing/2010/main" val="0"/>
-              </a:ext>
-              <a:ext uri="{96DAC541-7B7A-43D3-8B79-37D633B846F1}">
-                <asvg:svgBlip xmlns:asvg="http://schemas.microsoft.com/office/drawing/2016/SVG/main" r:embed="rId7"/>
-              </a:ext>
-            </a:extLst>
-          </a:blip>
-          <a:stretch>
-            <a:fillRect/>
-          </a:stretch>
-        </p:blipFill>
-        <p:spPr>
-          <a:xfrm>
-            <a:off x="8634073" y="843335"/>
-            <a:ext cx="2088000" cy="2088000"/>
-          </a:xfrm>
-          <a:prstGeom prst="rect">
-            <a:avLst/>
-          </a:prstGeom>
-        </p:spPr>
-      </p:pic>
-      <p:sp>
-        <p:nvSpPr>
-          <p:cNvPr id="13" name="TextBox 12">
-            <a:extLst>
-              <a:ext uri="{FF2B5EF4-FFF2-40B4-BE49-F238E27FC236}">
-                <a16:creationId xmlns:a16="http://schemas.microsoft.com/office/drawing/2014/main" id="{37EB29B5-E435-4C04-8C4F-BECFB219EEF5}"/>
-              </a:ext>
-            </a:extLst>
-          </p:cNvPr>
-          <p:cNvSpPr txBox="1"/>
-          <p:nvPr/>
-        </p:nvSpPr>
-        <p:spPr>
-          <a:xfrm>
-            <a:off x="1944633" y="2967335"/>
-            <a:ext cx="1210588" cy="461665"/>
-          </a:xfrm>
-          <a:prstGeom prst="rect">
-            <a:avLst/>
-          </a:prstGeom>
-          <a:noFill/>
-        </p:spPr>
-        <p:txBody>
-          <a:bodyPr wrap="none" rtlCol="0">
-            <a:spAutoFit/>
-          </a:bodyPr>
-          <a:lstStyle/>
-          <a:p>
-            <a:r>
-              <a:rPr lang="en-SG" sz="2400" dirty="0">
-                <a:latin typeface="IBM Plex Sans Light" panose="020B0403050203000203" pitchFamily="34" charset="0"/>
-              </a:rPr>
-              <a:t>Current</a:t>
-            </a:r>
-            <a:endParaRPr lang="en-SG" dirty="0">
-              <a:latin typeface="IBM Plex Sans Light" panose="020B0403050203000203" pitchFamily="34" charset="0"/>
-            </a:endParaRPr>
-          </a:p>
-        </p:txBody>
-      </p:sp>
-      <p:sp>
-        <p:nvSpPr>
-          <p:cNvPr id="14" name="TextBox 13">
-            <a:extLst>
-              <a:ext uri="{FF2B5EF4-FFF2-40B4-BE49-F238E27FC236}">
-                <a16:creationId xmlns:a16="http://schemas.microsoft.com/office/drawing/2014/main" id="{4C778224-2406-42AA-B5A0-5195E0AFB6A9}"/>
-              </a:ext>
-            </a:extLst>
-          </p:cNvPr>
-          <p:cNvSpPr txBox="1"/>
-          <p:nvPr/>
-        </p:nvSpPr>
-        <p:spPr>
-          <a:xfrm>
-            <a:off x="5259439" y="2967334"/>
-            <a:ext cx="1709122" cy="461665"/>
-          </a:xfrm>
-          <a:prstGeom prst="rect">
-            <a:avLst/>
-          </a:prstGeom>
-          <a:noFill/>
-        </p:spPr>
-        <p:txBody>
-          <a:bodyPr wrap="none" rtlCol="0">
-            <a:spAutoFit/>
-          </a:bodyPr>
-          <a:lstStyle/>
-          <a:p>
-            <a:r>
-              <a:rPr lang="en-SG" sz="2400" dirty="0">
-                <a:latin typeface="IBM Plex Sans Light" panose="020B0403050203000203" pitchFamily="34" charset="0"/>
-              </a:rPr>
-              <a:t>Short Term</a:t>
-            </a:r>
-            <a:endParaRPr lang="en-SG" dirty="0">
-              <a:latin typeface="IBM Plex Sans Light" panose="020B0403050203000203" pitchFamily="34" charset="0"/>
-            </a:endParaRPr>
-          </a:p>
-        </p:txBody>
-      </p:sp>
-      <p:sp>
-        <p:nvSpPr>
-          <p:cNvPr id="15" name="TextBox 14">
-            <a:extLst>
-              <a:ext uri="{FF2B5EF4-FFF2-40B4-BE49-F238E27FC236}">
-                <a16:creationId xmlns:a16="http://schemas.microsoft.com/office/drawing/2014/main" id="{857B0C58-A6C6-4C56-995E-C6A3D07BA6FC}"/>
-              </a:ext>
-            </a:extLst>
-          </p:cNvPr>
-          <p:cNvSpPr txBox="1"/>
-          <p:nvPr/>
-        </p:nvSpPr>
-        <p:spPr>
-          <a:xfrm>
-            <a:off x="8860381" y="2954435"/>
-            <a:ext cx="1635384" cy="461665"/>
-          </a:xfrm>
-          <a:prstGeom prst="rect">
-            <a:avLst/>
-          </a:prstGeom>
-          <a:noFill/>
-        </p:spPr>
-        <p:txBody>
-          <a:bodyPr wrap="none" rtlCol="0">
-            <a:spAutoFit/>
-          </a:bodyPr>
-          <a:lstStyle/>
-          <a:p>
-            <a:r>
-              <a:rPr lang="en-SG" sz="2400" dirty="0">
-                <a:latin typeface="IBM Plex Sans Light" panose="020B0403050203000203" pitchFamily="34" charset="0"/>
-              </a:rPr>
-              <a:t>Long Term</a:t>
-            </a:r>
-            <a:endParaRPr lang="en-SG" dirty="0">
-              <a:latin typeface="IBM Plex Sans Light" panose="020B0403050203000203" pitchFamily="34" charset="0"/>
-            </a:endParaRPr>
-          </a:p>
-        </p:txBody>
-      </p:sp>
-      <p:sp>
-        <p:nvSpPr>
-          <p:cNvPr id="17" name="TextBox 16">
-            <a:extLst>
-              <a:ext uri="{FF2B5EF4-FFF2-40B4-BE49-F238E27FC236}">
-                <a16:creationId xmlns:a16="http://schemas.microsoft.com/office/drawing/2014/main" id="{697C7B2B-9156-4DC3-B0E0-72D81B4D3737}"/>
-              </a:ext>
-            </a:extLst>
-          </p:cNvPr>
-          <p:cNvSpPr txBox="1"/>
-          <p:nvPr/>
-        </p:nvSpPr>
-        <p:spPr>
-          <a:xfrm>
-            <a:off x="1344148" y="3416100"/>
-            <a:ext cx="1200970" cy="338554"/>
-          </a:xfrm>
-          <a:prstGeom prst="rect">
-            <a:avLst/>
-          </a:prstGeom>
-          <a:noFill/>
-        </p:spPr>
-        <p:txBody>
-          <a:bodyPr wrap="none" rtlCol="0">
-            <a:spAutoFit/>
-          </a:bodyPr>
-          <a:lstStyle/>
-          <a:p>
-            <a:pPr marL="285750" indent="-285750">
-              <a:buFont typeface="Arial" panose="020B0604020202020204" pitchFamily="34" charset="0"/>
-              <a:buChar char="•"/>
-            </a:pPr>
-            <a:r>
-              <a:rPr lang="en-SG" sz="1600" dirty="0">
-                <a:latin typeface="IBM Plex Sans" panose="020B0503050203000203" pitchFamily="34" charset="0"/>
-              </a:rPr>
-              <a:t>Gathers</a:t>
-            </a:r>
-          </a:p>
-        </p:txBody>
-      </p:sp>
+        </p:grpSpPr>
+        <p:grpSp>
+          <p:nvGrpSpPr>
+            <p:cNvPr id="4" name="Group 3">
+              <a:extLst>
+                <a:ext uri="{FF2B5EF4-FFF2-40B4-BE49-F238E27FC236}">
+                  <a16:creationId xmlns:a16="http://schemas.microsoft.com/office/drawing/2014/main" id="{26557E16-9410-413F-8076-09C23DD46E1E}"/>
+                </a:ext>
+              </a:extLst>
+            </p:cNvPr>
+            <p:cNvGrpSpPr/>
+            <p:nvPr/>
+          </p:nvGrpSpPr>
+          <p:grpSpPr>
+            <a:xfrm>
+              <a:off x="545606" y="872999"/>
+              <a:ext cx="3542484" cy="3956765"/>
+              <a:chOff x="545606" y="769037"/>
+              <a:chExt cx="3542484" cy="3956765"/>
+            </a:xfrm>
+          </p:grpSpPr>
+          <p:pic>
+            <p:nvPicPr>
+              <p:cNvPr id="8" name="Graphic 7">
+                <a:extLst>
+                  <a:ext uri="{FF2B5EF4-FFF2-40B4-BE49-F238E27FC236}">
+                    <a16:creationId xmlns:a16="http://schemas.microsoft.com/office/drawing/2014/main" id="{8EF4C3E5-B351-4BD6-B131-4DE780D73769}"/>
+                  </a:ext>
+                </a:extLst>
+              </p:cNvPr>
+              <p:cNvPicPr>
+                <a:picLocks noChangeAspect="1"/>
+              </p:cNvPicPr>
+              <p:nvPr/>
+            </p:nvPicPr>
+            <p:blipFill>
+              <a:blip r:embed="rId2">
+                <a:extLst>
+                  <a:ext uri="{28A0092B-C50C-407E-A947-70E740481C1C}">
+                    <a14:useLocalDpi xmlns:a14="http://schemas.microsoft.com/office/drawing/2010/main" val="0"/>
+                  </a:ext>
+                  <a:ext uri="{96DAC541-7B7A-43D3-8B79-37D633B846F1}">
+                    <asvg:svgBlip xmlns:asvg="http://schemas.microsoft.com/office/drawing/2016/SVG/main" r:embed="rId3"/>
+                  </a:ext>
+                </a:extLst>
+              </a:blip>
+              <a:stretch>
+                <a:fillRect/>
+              </a:stretch>
+            </p:blipFill>
+            <p:spPr>
+              <a:xfrm>
+                <a:off x="1236848" y="769037"/>
+                <a:ext cx="2160000" cy="2236595"/>
+              </a:xfrm>
+              <a:prstGeom prst="rect">
+                <a:avLst/>
+              </a:prstGeom>
+            </p:spPr>
+          </p:pic>
+          <p:sp>
+            <p:nvSpPr>
+              <p:cNvPr id="13" name="TextBox 12">
+                <a:extLst>
+                  <a:ext uri="{FF2B5EF4-FFF2-40B4-BE49-F238E27FC236}">
+                    <a16:creationId xmlns:a16="http://schemas.microsoft.com/office/drawing/2014/main" id="{37EB29B5-E435-4C04-8C4F-BECFB219EEF5}"/>
+                  </a:ext>
+                </a:extLst>
+              </p:cNvPr>
+              <p:cNvSpPr txBox="1"/>
+              <p:nvPr/>
+            </p:nvSpPr>
+            <p:spPr>
+              <a:xfrm>
+                <a:off x="1711554" y="3005633"/>
+                <a:ext cx="1210588" cy="461665"/>
+              </a:xfrm>
+              <a:prstGeom prst="rect">
+                <a:avLst/>
+              </a:prstGeom>
+              <a:noFill/>
+            </p:spPr>
+            <p:txBody>
+              <a:bodyPr wrap="none" rtlCol="0">
+                <a:spAutoFit/>
+              </a:bodyPr>
+              <a:lstStyle/>
+              <a:p>
+                <a:r>
+                  <a:rPr lang="en-SG" sz="2400" dirty="0">
+                    <a:latin typeface="IBM Plex Sans Light" panose="020B0403050203000203" pitchFamily="34" charset="0"/>
+                  </a:rPr>
+                  <a:t>Current</a:t>
+                </a:r>
+                <a:endParaRPr lang="en-SG" dirty="0">
+                  <a:latin typeface="IBM Plex Sans Light" panose="020B0403050203000203" pitchFamily="34" charset="0"/>
+                </a:endParaRPr>
+              </a:p>
+            </p:txBody>
+          </p:sp>
+          <p:sp>
+            <p:nvSpPr>
+              <p:cNvPr id="17" name="TextBox 16">
+                <a:extLst>
+                  <a:ext uri="{FF2B5EF4-FFF2-40B4-BE49-F238E27FC236}">
+                    <a16:creationId xmlns:a16="http://schemas.microsoft.com/office/drawing/2014/main" id="{697C7B2B-9156-4DC3-B0E0-72D81B4D3737}"/>
+                  </a:ext>
+                </a:extLst>
+              </p:cNvPr>
+              <p:cNvSpPr txBox="1"/>
+              <p:nvPr/>
+            </p:nvSpPr>
+            <p:spPr>
+              <a:xfrm>
+                <a:off x="545606" y="3648584"/>
+                <a:ext cx="3542484" cy="1077218"/>
+              </a:xfrm>
+              <a:prstGeom prst="rect">
+                <a:avLst/>
+              </a:prstGeom>
+              <a:noFill/>
+            </p:spPr>
+            <p:txBody>
+              <a:bodyPr wrap="square" rtlCol="0">
+                <a:spAutoFit/>
+              </a:bodyPr>
+              <a:lstStyle/>
+              <a:p>
+                <a:pPr marL="285750" indent="-285750">
+                  <a:buFont typeface="Arial" panose="020B0604020202020204" pitchFamily="34" charset="0"/>
+                  <a:buChar char="•"/>
+                </a:pPr>
+                <a:r>
+                  <a:rPr lang="en-SG" sz="1600" dirty="0">
+                    <a:latin typeface="IBM Plex Sans" panose="020B0503050203000203" pitchFamily="34" charset="0"/>
+                  </a:rPr>
+                  <a:t>Send IoT data to IBM Cloud</a:t>
+                </a:r>
+              </a:p>
+              <a:p>
+                <a:pPr marL="285750" indent="-285750">
+                  <a:buFont typeface="Arial" panose="020B0604020202020204" pitchFamily="34" charset="0"/>
+                  <a:buChar char="•"/>
+                </a:pPr>
+                <a:r>
+                  <a:rPr lang="en-SG" sz="1600" dirty="0">
+                    <a:latin typeface="IBM Plex Sans" panose="020B0503050203000203" pitchFamily="34" charset="0"/>
+                  </a:rPr>
+                  <a:t>Process via Node-RED and Visual Recognition Service</a:t>
+                </a:r>
+              </a:p>
+              <a:p>
+                <a:pPr marL="285750" indent="-285750">
+                  <a:buFont typeface="Arial" panose="020B0604020202020204" pitchFamily="34" charset="0"/>
+                  <a:buChar char="•"/>
+                </a:pPr>
+                <a:r>
+                  <a:rPr lang="en-SG" sz="1600" dirty="0">
+                    <a:latin typeface="IBM Plex Sans" panose="020B0503050203000203" pitchFamily="34" charset="0"/>
+                  </a:rPr>
+                  <a:t>Send alert for fire via Twilio</a:t>
+                </a:r>
+              </a:p>
+            </p:txBody>
+          </p:sp>
+        </p:grpSp>
+        <p:grpSp>
+          <p:nvGrpSpPr>
+            <p:cNvPr id="3" name="Group 2">
+              <a:extLst>
+                <a:ext uri="{FF2B5EF4-FFF2-40B4-BE49-F238E27FC236}">
+                  <a16:creationId xmlns:a16="http://schemas.microsoft.com/office/drawing/2014/main" id="{E41BA4B3-E823-4A55-A005-AB6A9A150B17}"/>
+                </a:ext>
+              </a:extLst>
+            </p:cNvPr>
+            <p:cNvGrpSpPr/>
+            <p:nvPr/>
+          </p:nvGrpSpPr>
+          <p:grpSpPr>
+            <a:xfrm>
+              <a:off x="4226218" y="788187"/>
+              <a:ext cx="3542484" cy="4126389"/>
+              <a:chOff x="4244218" y="794435"/>
+              <a:chExt cx="3542484" cy="4126389"/>
+            </a:xfrm>
+          </p:grpSpPr>
+          <p:pic>
+            <p:nvPicPr>
+              <p:cNvPr id="10" name="Graphic 9">
+                <a:extLst>
+                  <a:ext uri="{FF2B5EF4-FFF2-40B4-BE49-F238E27FC236}">
+                    <a16:creationId xmlns:a16="http://schemas.microsoft.com/office/drawing/2014/main" id="{72BF9768-D635-4CB0-819A-96FE6FE9E13F}"/>
+                  </a:ext>
+                </a:extLst>
+              </p:cNvPr>
+              <p:cNvPicPr>
+                <a:picLocks noChangeAspect="1"/>
+              </p:cNvPicPr>
+              <p:nvPr/>
+            </p:nvPicPr>
+            <p:blipFill>
+              <a:blip r:embed="rId4">
+                <a:extLst>
+                  <a:ext uri="{28A0092B-C50C-407E-A947-70E740481C1C}">
+                    <a14:useLocalDpi xmlns:a14="http://schemas.microsoft.com/office/drawing/2010/main" val="0"/>
+                  </a:ext>
+                  <a:ext uri="{96DAC541-7B7A-43D3-8B79-37D633B846F1}">
+                    <asvg:svgBlip xmlns:asvg="http://schemas.microsoft.com/office/drawing/2016/SVG/main" r:embed="rId5"/>
+                  </a:ext>
+                </a:extLst>
+              </a:blip>
+              <a:stretch>
+                <a:fillRect/>
+              </a:stretch>
+            </p:blipFill>
+            <p:spPr>
+              <a:xfrm>
+                <a:off x="4935460" y="794435"/>
+                <a:ext cx="2160000" cy="2160000"/>
+              </a:xfrm>
+              <a:prstGeom prst="rect">
+                <a:avLst/>
+              </a:prstGeom>
+            </p:spPr>
+          </p:pic>
+          <p:sp>
+            <p:nvSpPr>
+              <p:cNvPr id="14" name="TextBox 13">
+                <a:extLst>
+                  <a:ext uri="{FF2B5EF4-FFF2-40B4-BE49-F238E27FC236}">
+                    <a16:creationId xmlns:a16="http://schemas.microsoft.com/office/drawing/2014/main" id="{4C778224-2406-42AA-B5A0-5195E0AFB6A9}"/>
+                  </a:ext>
+                </a:extLst>
+              </p:cNvPr>
+              <p:cNvSpPr txBox="1"/>
+              <p:nvPr/>
+            </p:nvSpPr>
+            <p:spPr>
+              <a:xfrm>
+                <a:off x="5160899" y="2954433"/>
+                <a:ext cx="1709122" cy="461665"/>
+              </a:xfrm>
+              <a:prstGeom prst="rect">
+                <a:avLst/>
+              </a:prstGeom>
+              <a:noFill/>
+            </p:spPr>
+            <p:txBody>
+              <a:bodyPr wrap="none" rtlCol="0">
+                <a:spAutoFit/>
+              </a:bodyPr>
+              <a:lstStyle/>
+              <a:p>
+                <a:r>
+                  <a:rPr lang="en-SG" sz="2400" dirty="0">
+                    <a:latin typeface="IBM Plex Sans Light" panose="020B0403050203000203" pitchFamily="34" charset="0"/>
+                  </a:rPr>
+                  <a:t>Short Term</a:t>
+                </a:r>
+                <a:endParaRPr lang="en-SG" dirty="0">
+                  <a:latin typeface="IBM Plex Sans Light" panose="020B0403050203000203" pitchFamily="34" charset="0"/>
+                </a:endParaRPr>
+              </a:p>
+            </p:txBody>
+          </p:sp>
+          <p:sp>
+            <p:nvSpPr>
+              <p:cNvPr id="9" name="TextBox 8">
+                <a:extLst>
+                  <a:ext uri="{FF2B5EF4-FFF2-40B4-BE49-F238E27FC236}">
+                    <a16:creationId xmlns:a16="http://schemas.microsoft.com/office/drawing/2014/main" id="{BE5CB475-FE99-4924-B781-EB39F1856C30}"/>
+                  </a:ext>
+                </a:extLst>
+              </p:cNvPr>
+              <p:cNvSpPr txBox="1"/>
+              <p:nvPr/>
+            </p:nvSpPr>
+            <p:spPr>
+              <a:xfrm>
+                <a:off x="4244218" y="3597385"/>
+                <a:ext cx="3542484" cy="1323439"/>
+              </a:xfrm>
+              <a:prstGeom prst="rect">
+                <a:avLst/>
+              </a:prstGeom>
+              <a:noFill/>
+            </p:spPr>
+            <p:txBody>
+              <a:bodyPr wrap="square" rtlCol="0">
+                <a:spAutoFit/>
+              </a:bodyPr>
+              <a:lstStyle/>
+              <a:p>
+                <a:pPr marL="285750" indent="-285750">
+                  <a:buFont typeface="Arial" panose="020B0604020202020204" pitchFamily="34" charset="0"/>
+                  <a:buChar char="•"/>
+                </a:pPr>
+                <a:r>
+                  <a:rPr lang="en-SG" sz="1600" dirty="0">
+                    <a:latin typeface="IBM Plex Sans" panose="020B0503050203000203" pitchFamily="34" charset="0"/>
+                  </a:rPr>
+                  <a:t>Utilize machine/deep learning algorithms to advise stakeholders on action to be taken</a:t>
+                </a:r>
+              </a:p>
+              <a:p>
+                <a:pPr marL="285750" indent="-285750">
+                  <a:buFont typeface="Arial" panose="020B0604020202020204" pitchFamily="34" charset="0"/>
+                  <a:buChar char="•"/>
+                </a:pPr>
+                <a:r>
+                  <a:rPr lang="en-SG" sz="1600" dirty="0">
+                    <a:latin typeface="IBM Plex Sans" panose="020B0503050203000203" pitchFamily="34" charset="0"/>
+                  </a:rPr>
+                  <a:t>Expand upon dashboard on the monitoring of real-time data</a:t>
+                </a:r>
+              </a:p>
+            </p:txBody>
+          </p:sp>
+        </p:grpSp>
+        <p:grpSp>
+          <p:nvGrpSpPr>
+            <p:cNvPr id="2" name="Group 1">
+              <a:extLst>
+                <a:ext uri="{FF2B5EF4-FFF2-40B4-BE49-F238E27FC236}">
+                  <a16:creationId xmlns:a16="http://schemas.microsoft.com/office/drawing/2014/main" id="{1142179D-6918-472F-8B23-5DEC26DCC66C}"/>
+                </a:ext>
+              </a:extLst>
+            </p:cNvPr>
+            <p:cNvGrpSpPr/>
+            <p:nvPr/>
+          </p:nvGrpSpPr>
+          <p:grpSpPr>
+            <a:xfrm>
+              <a:off x="7906831" y="806186"/>
+              <a:ext cx="3542484" cy="4090390"/>
+              <a:chOff x="7906831" y="843335"/>
+              <a:chExt cx="3542484" cy="4090390"/>
+            </a:xfrm>
+          </p:grpSpPr>
+          <p:pic>
+            <p:nvPicPr>
+              <p:cNvPr id="12" name="Graphic 11">
+                <a:extLst>
+                  <a:ext uri="{FF2B5EF4-FFF2-40B4-BE49-F238E27FC236}">
+                    <a16:creationId xmlns:a16="http://schemas.microsoft.com/office/drawing/2014/main" id="{0AFA399D-650E-42EA-95F6-3AC211E6C590}"/>
+                  </a:ext>
+                </a:extLst>
+              </p:cNvPr>
+              <p:cNvPicPr>
+                <a:picLocks noChangeAspect="1"/>
+              </p:cNvPicPr>
+              <p:nvPr/>
+            </p:nvPicPr>
+            <p:blipFill>
+              <a:blip r:embed="rId6">
+                <a:extLst>
+                  <a:ext uri="{28A0092B-C50C-407E-A947-70E740481C1C}">
+                    <a14:useLocalDpi xmlns:a14="http://schemas.microsoft.com/office/drawing/2010/main" val="0"/>
+                  </a:ext>
+                  <a:ext uri="{96DAC541-7B7A-43D3-8B79-37D633B846F1}">
+                    <asvg:svgBlip xmlns:asvg="http://schemas.microsoft.com/office/drawing/2016/SVG/main" r:embed="rId7"/>
+                  </a:ext>
+                </a:extLst>
+              </a:blip>
+              <a:stretch>
+                <a:fillRect/>
+              </a:stretch>
+            </p:blipFill>
+            <p:spPr>
+              <a:xfrm>
+                <a:off x="8634073" y="843335"/>
+                <a:ext cx="2088000" cy="2088000"/>
+              </a:xfrm>
+              <a:prstGeom prst="rect">
+                <a:avLst/>
+              </a:prstGeom>
+            </p:spPr>
+          </p:pic>
+          <p:sp>
+            <p:nvSpPr>
+              <p:cNvPr id="15" name="TextBox 14">
+                <a:extLst>
+                  <a:ext uri="{FF2B5EF4-FFF2-40B4-BE49-F238E27FC236}">
+                    <a16:creationId xmlns:a16="http://schemas.microsoft.com/office/drawing/2014/main" id="{857B0C58-A6C6-4C56-995E-C6A3D07BA6FC}"/>
+                  </a:ext>
+                </a:extLst>
+              </p:cNvPr>
+              <p:cNvSpPr txBox="1"/>
+              <p:nvPr/>
+            </p:nvSpPr>
+            <p:spPr>
+              <a:xfrm>
+                <a:off x="8860381" y="2954435"/>
+                <a:ext cx="1635384" cy="461665"/>
+              </a:xfrm>
+              <a:prstGeom prst="rect">
+                <a:avLst/>
+              </a:prstGeom>
+              <a:noFill/>
+            </p:spPr>
+            <p:txBody>
+              <a:bodyPr wrap="none" rtlCol="0">
+                <a:spAutoFit/>
+              </a:bodyPr>
+              <a:lstStyle/>
+              <a:p>
+                <a:r>
+                  <a:rPr lang="en-SG" sz="2400" dirty="0">
+                    <a:latin typeface="IBM Plex Sans Light" panose="020B0403050203000203" pitchFamily="34" charset="0"/>
+                  </a:rPr>
+                  <a:t>Long Term</a:t>
+                </a:r>
+                <a:endParaRPr lang="en-SG" dirty="0">
+                  <a:latin typeface="IBM Plex Sans Light" panose="020B0403050203000203" pitchFamily="34" charset="0"/>
+                </a:endParaRPr>
+              </a:p>
+            </p:txBody>
+          </p:sp>
+          <p:sp>
+            <p:nvSpPr>
+              <p:cNvPr id="11" name="TextBox 10">
+                <a:extLst>
+                  <a:ext uri="{FF2B5EF4-FFF2-40B4-BE49-F238E27FC236}">
+                    <a16:creationId xmlns:a16="http://schemas.microsoft.com/office/drawing/2014/main" id="{501DB505-3340-42FB-941A-4BDA24D38AAB}"/>
+                  </a:ext>
+                </a:extLst>
+              </p:cNvPr>
+              <p:cNvSpPr txBox="1"/>
+              <p:nvPr/>
+            </p:nvSpPr>
+            <p:spPr>
+              <a:xfrm>
+                <a:off x="7906831" y="3610286"/>
+                <a:ext cx="3542484" cy="1323439"/>
+              </a:xfrm>
+              <a:prstGeom prst="rect">
+                <a:avLst/>
+              </a:prstGeom>
+              <a:noFill/>
+            </p:spPr>
+            <p:txBody>
+              <a:bodyPr wrap="square" rtlCol="0">
+                <a:spAutoFit/>
+              </a:bodyPr>
+              <a:lstStyle/>
+              <a:p>
+                <a:pPr marL="285750" indent="-285750">
+                  <a:buFont typeface="Arial" panose="020B0604020202020204" pitchFamily="34" charset="0"/>
+                  <a:buChar char="•"/>
+                </a:pPr>
+                <a:r>
+                  <a:rPr lang="en-SG" sz="1600" dirty="0">
+                    <a:latin typeface="IBM Plex Sans" panose="020B0503050203000203" pitchFamily="34" charset="0"/>
+                  </a:rPr>
+                  <a:t>Increase compatibility of system with IoT devices</a:t>
+                </a:r>
+              </a:p>
+              <a:p>
+                <a:pPr marL="285750" indent="-285750">
+                  <a:buFont typeface="Arial" panose="020B0604020202020204" pitchFamily="34" charset="0"/>
+                  <a:buChar char="•"/>
+                </a:pPr>
+                <a:r>
+                  <a:rPr lang="en-SG" sz="1600" dirty="0">
+                    <a:latin typeface="IBM Plex Sans" panose="020B0503050203000203" pitchFamily="34" charset="0"/>
+                  </a:rPr>
+                  <a:t>Connect with Open Digital Platform</a:t>
+                </a:r>
+              </a:p>
+              <a:p>
+                <a:pPr marL="285750" indent="-285750">
+                  <a:buFont typeface="Arial" panose="020B0604020202020204" pitchFamily="34" charset="0"/>
+                  <a:buChar char="•"/>
+                </a:pPr>
+                <a:r>
+                  <a:rPr lang="en-SG" sz="1600" dirty="0">
+                    <a:latin typeface="IBM Plex Sans" panose="020B0503050203000203" pitchFamily="34" charset="0"/>
+                  </a:rPr>
+                  <a:t>Decision Optimization</a:t>
+                </a:r>
+              </a:p>
+            </p:txBody>
+          </p:sp>
+        </p:grpSp>
+      </p:grpSp>
     </p:spTree>
     <p:extLst>
       <p:ext uri="{BB962C8B-B14F-4D97-AF65-F5344CB8AC3E}">
